--- a/软件需求规格说明书/G01小组需求评审PPT0.1.pptx
+++ b/软件需求规格说明书/G01小组需求评审PPT0.1.pptx
@@ -7,7 +7,7 @@
     <p:sldMasterId id="2147483672" r:id="rId3"/>
   </p:sldMasterIdLst>
   <p:notesMasterIdLst>
-    <p:notesMasterId r:id="rId30"/>
+    <p:notesMasterId r:id="rId31"/>
   </p:notesMasterIdLst>
   <p:sldIdLst>
     <p:sldId id="257" r:id="rId4"/>
@@ -27,20 +27,21 @@
     <p:sldId id="396" r:id="rId18"/>
     <p:sldId id="397" r:id="rId19"/>
     <p:sldId id="398" r:id="rId20"/>
-    <p:sldId id="399" r:id="rId21"/>
-    <p:sldId id="400" r:id="rId22"/>
-    <p:sldId id="401" r:id="rId23"/>
-    <p:sldId id="373" r:id="rId24"/>
-    <p:sldId id="378" r:id="rId25"/>
-    <p:sldId id="304" r:id="rId26"/>
-    <p:sldId id="301" r:id="rId27"/>
-    <p:sldId id="303" r:id="rId28"/>
-    <p:sldId id="298" r:id="rId29"/>
+    <p:sldId id="402" r:id="rId21"/>
+    <p:sldId id="399" r:id="rId22"/>
+    <p:sldId id="400" r:id="rId23"/>
+    <p:sldId id="401" r:id="rId24"/>
+    <p:sldId id="373" r:id="rId25"/>
+    <p:sldId id="378" r:id="rId26"/>
+    <p:sldId id="304" r:id="rId27"/>
+    <p:sldId id="301" r:id="rId28"/>
+    <p:sldId id="303" r:id="rId29"/>
+    <p:sldId id="298" r:id="rId30"/>
   </p:sldIdLst>
   <p:sldSz cx="9144000" cy="6858000" type="screen4x3"/>
   <p:notesSz cx="6858000" cy="9144000"/>
   <p:custDataLst>
-    <p:tags r:id="rId31"/>
+    <p:tags r:id="rId32"/>
   </p:custDataLst>
   <p:defaultTextStyle>
     <a:defPPr>
@@ -334,7 +335,7 @@
           <a:p>
             <a:fld id="{D2A48B96-639E-45A3-A0BA-2464DFDB1FAA}" type="datetimeFigureOut">
               <a:rPr lang="zh-CN" altLang="en-US" smtClean="0"/>
-              <a:t>2020/11/15</a:t>
+              <a:t>2020/11/17</a:t>
             </a:fld>
             <a:endParaRPr lang="zh-CN" altLang="en-US"/>
           </a:p>
@@ -750,7 +751,91 @@
           <a:p>
             <a:fld id="{28085199-D7E7-416F-9D71-3AF4885C2DF5}" type="slidenum">
               <a:rPr lang="zh-CN" altLang="en-US" smtClean="0"/>
-              <a:t>26</a:t>
+              <a:t>25</a:t>
+            </a:fld>
+            <a:endParaRPr lang="zh-CN" altLang="en-US"/>
+          </a:p>
+        </p:txBody>
+      </p:sp>
+    </p:spTree>
+    <p:extLst>
+      <p:ext uri="{BB962C8B-B14F-4D97-AF65-F5344CB8AC3E}">
+        <p14:creationId xmlns:p14="http://schemas.microsoft.com/office/powerpoint/2010/main" val="840312021"/>
+      </p:ext>
+    </p:extLst>
+  </p:cSld>
+  <p:clrMapOvr>
+    <a:masterClrMapping/>
+  </p:clrMapOvr>
+</p:notes>
+</file>
+
+<file path=ppt/notesSlides/notesSlide11.xml><?xml version="1.0" encoding="utf-8"?>
+<p:notes xmlns:a="http://schemas.openxmlformats.org/drawingml/2006/main" xmlns:r="http://schemas.openxmlformats.org/officeDocument/2006/relationships" xmlns:p="http://schemas.openxmlformats.org/presentationml/2006/main">
+  <p:cSld>
+    <p:spTree>
+      <p:nvGrpSpPr>
+        <p:cNvPr id="1" name=""/>
+        <p:cNvGrpSpPr/>
+        <p:nvPr/>
+      </p:nvGrpSpPr>
+      <p:grpSpPr>
+        <a:xfrm>
+          <a:off x="0" y="0"/>
+          <a:ext cx="0" cy="0"/>
+          <a:chOff x="0" y="0"/>
+          <a:chExt cx="0" cy="0"/>
+        </a:xfrm>
+      </p:grpSpPr>
+      <p:sp>
+        <p:nvSpPr>
+          <p:cNvPr id="2" name="幻灯片图像占位符 1"/>
+          <p:cNvSpPr>
+            <a:spLocks noGrp="1" noRot="1" noChangeAspect="1"/>
+          </p:cNvSpPr>
+          <p:nvPr>
+            <p:ph type="sldImg"/>
+          </p:nvPr>
+        </p:nvSpPr>
+        <p:spPr/>
+      </p:sp>
+      <p:sp>
+        <p:nvSpPr>
+          <p:cNvPr id="3" name="备注占位符 2"/>
+          <p:cNvSpPr>
+            <a:spLocks noGrp="1"/>
+          </p:cNvSpPr>
+          <p:nvPr>
+            <p:ph type="body" idx="1"/>
+          </p:nvPr>
+        </p:nvSpPr>
+        <p:spPr/>
+        <p:txBody>
+          <a:bodyPr/>
+          <a:lstStyle/>
+          <a:p>
+            <a:endParaRPr lang="zh-CN" altLang="en-US"/>
+          </a:p>
+        </p:txBody>
+      </p:sp>
+      <p:sp>
+        <p:nvSpPr>
+          <p:cNvPr id="4" name="灯片编号占位符 3"/>
+          <p:cNvSpPr>
+            <a:spLocks noGrp="1"/>
+          </p:cNvSpPr>
+          <p:nvPr>
+            <p:ph type="sldNum" sz="quarter" idx="10"/>
+          </p:nvPr>
+        </p:nvSpPr>
+        <p:spPr/>
+        <p:txBody>
+          <a:bodyPr/>
+          <a:lstStyle/>
+          <a:p>
+            <a:fld id="{28085199-D7E7-416F-9D71-3AF4885C2DF5}" type="slidenum">
+              <a:rPr lang="zh-CN" altLang="en-US" smtClean="0"/>
+              <a:t>27</a:t>
             </a:fld>
             <a:endParaRPr lang="zh-CN" altLang="en-US"/>
           </a:p>
@@ -1179,7 +1264,7 @@
     </p:spTree>
     <p:extLst>
       <p:ext uri="{BB962C8B-B14F-4D97-AF65-F5344CB8AC3E}">
-        <p14:creationId xmlns:p14="http://schemas.microsoft.com/office/powerpoint/2010/main" val="636798641"/>
+        <p14:creationId xmlns:p14="http://schemas.microsoft.com/office/powerpoint/2010/main" val="1082115818"/>
       </p:ext>
     </p:extLst>
   </p:cSld>
@@ -1263,7 +1348,7 @@
     </p:spTree>
     <p:extLst>
       <p:ext uri="{BB962C8B-B14F-4D97-AF65-F5344CB8AC3E}">
-        <p14:creationId xmlns:p14="http://schemas.microsoft.com/office/powerpoint/2010/main" val="910316180"/>
+        <p14:creationId xmlns:p14="http://schemas.microsoft.com/office/powerpoint/2010/main" val="636798641"/>
       </p:ext>
     </p:extLst>
   </p:cSld>
@@ -1347,7 +1432,7 @@
     </p:spTree>
     <p:extLst>
       <p:ext uri="{BB962C8B-B14F-4D97-AF65-F5344CB8AC3E}">
-        <p14:creationId xmlns:p14="http://schemas.microsoft.com/office/powerpoint/2010/main" val="844399928"/>
+        <p14:creationId xmlns:p14="http://schemas.microsoft.com/office/powerpoint/2010/main" val="910316180"/>
       </p:ext>
     </p:extLst>
   </p:cSld>
@@ -1401,7 +1486,7 @@
           <a:bodyPr/>
           <a:lstStyle/>
           <a:p>
-            <a:endParaRPr lang="zh-CN" altLang="en-US"/>
+            <a:endParaRPr lang="zh-CN" altLang="en-US" dirty="0"/>
           </a:p>
         </p:txBody>
       </p:sp>
@@ -1420,9 +1505,9 @@
           <a:bodyPr/>
           <a:lstStyle/>
           <a:p>
-            <a:fld id="{28085199-D7E7-416F-9D71-3AF4885C2DF5}" type="slidenum">
+            <a:fld id="{A6837353-30EB-4A48-80EB-173D804AEFBD}" type="slidenum">
               <a:rPr lang="zh-CN" altLang="en-US" smtClean="0"/>
-              <a:t>24</a:t>
+              <a:t>21</a:t>
             </a:fld>
             <a:endParaRPr lang="zh-CN" altLang="en-US"/>
           </a:p>
@@ -1431,7 +1516,7 @@
     </p:spTree>
     <p:extLst>
       <p:ext uri="{BB962C8B-B14F-4D97-AF65-F5344CB8AC3E}">
-        <p14:creationId xmlns:p14="http://schemas.microsoft.com/office/powerpoint/2010/main" val="840312021"/>
+        <p14:creationId xmlns:p14="http://schemas.microsoft.com/office/powerpoint/2010/main" val="844399928"/>
       </p:ext>
     </p:extLst>
   </p:cSld>
@@ -1847,7 +1932,7 @@
           <a:p>
             <a:fld id="{760FBDFE-C587-4B4C-A407-44438C67B59E}" type="datetimeFigureOut">
               <a:rPr lang="zh-CN" altLang="en-US" smtClean="0"/>
-              <a:t>2020/11/15</a:t>
+              <a:t>2020/11/17</a:t>
             </a:fld>
             <a:endParaRPr lang="zh-CN" altLang="en-US"/>
           </a:p>
@@ -2071,7 +2156,7 @@
           <a:p>
             <a:fld id="{760FBDFE-C587-4B4C-A407-44438C67B59E}" type="datetimeFigureOut">
               <a:rPr lang="zh-CN" altLang="en-US" smtClean="0"/>
-              <a:t>2020/11/15</a:t>
+              <a:t>2020/11/17</a:t>
             </a:fld>
             <a:endParaRPr lang="zh-CN" altLang="en-US"/>
           </a:p>
@@ -2576,7 +2661,7 @@
           <a:p>
             <a:fld id="{760FBDFE-C587-4B4C-A407-44438C67B59E}" type="datetimeFigureOut">
               <a:rPr lang="zh-CN" altLang="en-US" smtClean="0"/>
-              <a:t>2020/11/15</a:t>
+              <a:t>2020/11/17</a:t>
             </a:fld>
             <a:endParaRPr lang="zh-CN" altLang="en-US"/>
           </a:p>
@@ -4598,7 +4683,7 @@
           <a:p>
             <a:fld id="{760FBDFE-C587-4B4C-A407-44438C67B59E}" type="datetimeFigureOut">
               <a:rPr lang="zh-CN" altLang="en-US" smtClean="0"/>
-              <a:t>2020/11/15</a:t>
+              <a:t>2020/11/17</a:t>
             </a:fld>
             <a:endParaRPr lang="zh-CN" altLang="en-US"/>
           </a:p>
@@ -5492,7 +5577,7 @@
           <a:p>
             <a:fld id="{DDC86826-C030-4ABB-BAB8-ECCBC086F54C}" type="datetimeFigureOut">
               <a:rPr lang="zh-CN" altLang="en-US" smtClean="0"/>
-              <a:t>2020/11/15</a:t>
+              <a:t>2020/11/17</a:t>
             </a:fld>
             <a:endParaRPr lang="zh-CN" altLang="en-US"/>
           </a:p>
@@ -5683,7 +5768,7 @@
           <a:p>
             <a:fld id="{DDC86826-C030-4ABB-BAB8-ECCBC086F54C}" type="datetimeFigureOut">
               <a:rPr lang="zh-CN" altLang="en-US" smtClean="0"/>
-              <a:t>2020/11/15</a:t>
+              <a:t>2020/11/17</a:t>
             </a:fld>
             <a:endParaRPr lang="zh-CN" altLang="en-US"/>
           </a:p>
@@ -6025,7 +6110,7 @@
           <a:p>
             <a:fld id="{DDC86826-C030-4ABB-BAB8-ECCBC086F54C}" type="datetimeFigureOut">
               <a:rPr lang="zh-CN" altLang="en-US" smtClean="0"/>
-              <a:t>2020/11/15</a:t>
+              <a:t>2020/11/17</a:t>
             </a:fld>
             <a:endParaRPr lang="zh-CN" altLang="en-US"/>
           </a:p>
@@ -6277,7 +6362,7 @@
           <a:p>
             <a:fld id="{DDC86826-C030-4ABB-BAB8-ECCBC086F54C}" type="datetimeFigureOut">
               <a:rPr lang="zh-CN" altLang="en-US" smtClean="0"/>
-              <a:t>2020/11/15</a:t>
+              <a:t>2020/11/17</a:t>
             </a:fld>
             <a:endParaRPr lang="zh-CN" altLang="en-US"/>
           </a:p>
@@ -6674,7 +6759,7 @@
           <a:p>
             <a:fld id="{DDC86826-C030-4ABB-BAB8-ECCBC086F54C}" type="datetimeFigureOut">
               <a:rPr lang="zh-CN" altLang="en-US" smtClean="0"/>
-              <a:t>2020/11/15</a:t>
+              <a:t>2020/11/17</a:t>
             </a:fld>
             <a:endParaRPr lang="zh-CN" altLang="en-US"/>
           </a:p>
@@ -6776,7 +6861,7 @@
           <a:p>
             <a:fld id="{DDC86826-C030-4ABB-BAB8-ECCBC086F54C}" type="datetimeFigureOut">
               <a:rPr lang="zh-CN" altLang="en-US" smtClean="0"/>
-              <a:t>2020/11/15</a:t>
+              <a:t>2020/11/17</a:t>
             </a:fld>
             <a:endParaRPr lang="zh-CN" altLang="en-US"/>
           </a:p>
@@ -6903,7 +6988,7 @@
           <a:p>
             <a:fld id="{DDC86826-C030-4ABB-BAB8-ECCBC086F54C}" type="datetimeFigureOut">
               <a:rPr lang="zh-CN" altLang="en-US" smtClean="0"/>
-              <a:t>2020/11/15</a:t>
+              <a:t>2020/11/17</a:t>
             </a:fld>
             <a:endParaRPr lang="zh-CN" altLang="en-US"/>
           </a:p>
@@ -7317,7 +7402,7 @@
           <a:p>
             <a:fld id="{760FBDFE-C587-4B4C-A407-44438C67B59E}" type="datetimeFigureOut">
               <a:rPr lang="zh-CN" altLang="en-US" smtClean="0"/>
-              <a:t>2020/11/15</a:t>
+              <a:t>2020/11/17</a:t>
             </a:fld>
             <a:endParaRPr lang="zh-CN" altLang="en-US"/>
           </a:p>
@@ -7589,7 +7674,7 @@
           <a:p>
             <a:fld id="{9EFD9D74-47D9-4702-A33C-335B63B48DBF}" type="datetimeFigureOut">
               <a:rPr lang="zh-CN" altLang="en-US" smtClean="0"/>
-              <a:t>2020/11/15</a:t>
+              <a:t>2020/11/17</a:t>
             </a:fld>
             <a:endParaRPr lang="zh-CN" altLang="en-US" dirty="0"/>
           </a:p>
@@ -7786,7 +7871,7 @@
           <a:p>
             <a:fld id="{DDC86826-C030-4ABB-BAB8-ECCBC086F54C}" type="datetimeFigureOut">
               <a:rPr lang="zh-CN" altLang="en-US" smtClean="0"/>
-              <a:t>2020/11/15</a:t>
+              <a:t>2020/11/17</a:t>
             </a:fld>
             <a:endParaRPr lang="zh-CN" altLang="en-US"/>
           </a:p>
@@ -7888,7 +7973,7 @@
           <a:p>
             <a:fld id="{760FBDFE-C587-4B4C-A407-44438C67B59E}" type="datetimeFigureOut">
               <a:rPr lang="zh-CN" altLang="en-US" smtClean="0"/>
-              <a:t>2020/11/15</a:t>
+              <a:t>2020/11/17</a:t>
             </a:fld>
             <a:endParaRPr lang="zh-CN" altLang="en-US"/>
           </a:p>
@@ -8192,7 +8277,7 @@
           <a:p>
             <a:fld id="{DDC86826-C030-4ABB-BAB8-ECCBC086F54C}" type="datetimeFigureOut">
               <a:rPr lang="zh-CN" altLang="en-US" smtClean="0"/>
-              <a:t>2020/11/15</a:t>
+              <a:t>2020/11/17</a:t>
             </a:fld>
             <a:endParaRPr lang="zh-CN" altLang="en-US"/>
           </a:p>
@@ -8670,7 +8755,7 @@
           <a:p>
             <a:fld id="{760FBDFE-C587-4B4C-A407-44438C67B59E}" type="datetimeFigureOut">
               <a:rPr lang="zh-CN" altLang="en-US" smtClean="0"/>
-              <a:t>2020/11/15</a:t>
+              <a:t>2020/11/17</a:t>
             </a:fld>
             <a:endParaRPr lang="zh-CN" altLang="en-US"/>
           </a:p>
@@ -9378,7 +9463,7 @@
           <a:p>
             <a:fld id="{760FBDFE-C587-4B4C-A407-44438C67B59E}" type="datetimeFigureOut">
               <a:rPr lang="zh-CN" altLang="en-US" smtClean="0"/>
-              <a:t>2020/11/15</a:t>
+              <a:t>2020/11/17</a:t>
             </a:fld>
             <a:endParaRPr lang="zh-CN" altLang="en-US"/>
           </a:p>
@@ -9527,7 +9612,7 @@
           <a:p>
             <a:fld id="{760FBDFE-C587-4B4C-A407-44438C67B59E}" type="datetimeFigureOut">
               <a:rPr lang="zh-CN" altLang="en-US" smtClean="0"/>
-              <a:t>2020/11/15</a:t>
+              <a:t>2020/11/17</a:t>
             </a:fld>
             <a:endParaRPr lang="zh-CN" altLang="en-US"/>
           </a:p>
@@ -9629,7 +9714,7 @@
           <a:p>
             <a:fld id="{760FBDFE-C587-4B4C-A407-44438C67B59E}" type="datetimeFigureOut">
               <a:rPr lang="zh-CN" altLang="en-US" smtClean="0"/>
-              <a:t>2020/11/15</a:t>
+              <a:t>2020/11/17</a:t>
             </a:fld>
             <a:endParaRPr lang="zh-CN" altLang="en-US"/>
           </a:p>
@@ -9993,7 +10078,7 @@
           <a:p>
             <a:fld id="{9EFD9D74-47D9-4702-A33C-335B63B48DBF}" type="datetimeFigureOut">
               <a:rPr lang="zh-CN" altLang="en-US" smtClean="0"/>
-              <a:t>2020/11/15</a:t>
+              <a:t>2020/11/17</a:t>
             </a:fld>
             <a:endParaRPr lang="zh-CN" altLang="en-US" dirty="0"/>
           </a:p>
@@ -10240,7 +10325,7 @@
           <a:p>
             <a:fld id="{760FBDFE-C587-4B4C-A407-44438C67B59E}" type="datetimeFigureOut">
               <a:rPr lang="zh-CN" altLang="en-US" smtClean="0"/>
-              <a:t>2020/11/15</a:t>
+              <a:t>2020/11/17</a:t>
             </a:fld>
             <a:endParaRPr lang="zh-CN" altLang="en-US"/>
           </a:p>
@@ -10473,7 +10558,7 @@
           <a:p>
             <a:fld id="{760FBDFE-C587-4B4C-A407-44438C67B59E}" type="datetimeFigureOut">
               <a:rPr lang="zh-CN" altLang="en-US" smtClean="0"/>
-              <a:t>2020/11/15</a:t>
+              <a:t>2020/11/17</a:t>
             </a:fld>
             <a:endParaRPr lang="zh-CN" altLang="en-US"/>
           </a:p>
@@ -11778,7 +11863,7 @@
           <a:p>
             <a:fld id="{DDC86826-C030-4ABB-BAB8-ECCBC086F54C}" type="datetimeFigureOut">
               <a:rPr lang="zh-CN" altLang="en-US" smtClean="0"/>
-              <a:t>2020/11/15</a:t>
+              <a:t>2020/11/17</a:t>
             </a:fld>
             <a:endParaRPr lang="zh-CN" altLang="en-US"/>
           </a:p>
@@ -13498,7 +13583,7 @@
         </p:nvSpPr>
         <p:spPr>
           <a:xfrm>
-            <a:off x="916753" y="3268400"/>
+            <a:off x="916753" y="3310369"/>
             <a:ext cx="6292686" cy="1054735"/>
           </a:xfrm>
         </p:spPr>
@@ -18859,10 +18944,7 @@
             </a:lvl1pPr>
           </a:lstStyle>
           <a:p>
-            <a:pPr marL="0" indent="0" algn="l">
-              <a:lnSpc>
-                <a:spcPct val="100000"/>
-              </a:lnSpc>
+            <a:pPr>
               <a:spcBef>
                 <a:spcPts val="0"/>
               </a:spcBef>
@@ -18872,39 +18954,12 @@
               <a:buSzPct val="100000"/>
             </a:pPr>
             <a:r>
-              <a:rPr lang="en-US" altLang="zh-CN" spc="300" dirty="0" smtClean="0">
+              <a:rPr lang="zh-CN" altLang="en-US" spc="300" dirty="0">
                 <a:solidFill>
                   <a:sysClr val="window" lastClr="FFFFFF"/>
                 </a:solidFill>
               </a:rPr>
-              <a:t>5</a:t>
-            </a:r>
-            <a:r>
-              <a:rPr lang="en-US" altLang="zh-CN" spc="300" dirty="0" smtClean="0">
-                <a:solidFill>
-                  <a:sysClr val="window" lastClr="FFFFFF"/>
-                </a:solidFill>
-                <a:uFillTx/>
-                <a:latin typeface="微软雅黑" panose="020B0503020204020204" charset="-122"/>
-                <a:ea typeface="微软雅黑" panose="020B0503020204020204" charset="-122"/>
-              </a:rPr>
-              <a:t>.</a:t>
-            </a:r>
-            <a:r>
-              <a:rPr lang="zh-CN" altLang="en-US" spc="300" dirty="0" smtClean="0">
-                <a:solidFill>
-                  <a:sysClr val="window" lastClr="FFFFFF"/>
-                </a:solidFill>
-              </a:rPr>
-              <a:t>需求</a:t>
-            </a:r>
-            <a:r>
-              <a:rPr lang="en-US" altLang="zh-CN" spc="300" dirty="0" smtClean="0">
-                <a:solidFill>
-                  <a:sysClr val="window" lastClr="FFFFFF"/>
-                </a:solidFill>
-              </a:rPr>
-              <a:t>SRS</a:t>
+              <a:t>处理流程图</a:t>
             </a:r>
             <a:endParaRPr lang="zh-CN" altLang="en-US" dirty="0">
               <a:solidFill>
@@ -18917,7 +18972,7 @@
       </p:sp>
       <p:sp>
         <p:nvSpPr>
-          <p:cNvPr id="7" name="文本框 6"/>
+          <p:cNvPr id="6" name="文本框 5"/>
           <p:cNvSpPr txBox="1"/>
           <p:nvPr>
             <p:custDataLst>
@@ -18927,8 +18982,8 @@
         </p:nvSpPr>
         <p:spPr>
           <a:xfrm>
-            <a:off x="323528" y="1334689"/>
-            <a:ext cx="3080780" cy="710952"/>
+            <a:off x="492660" y="1445993"/>
+            <a:ext cx="3215244" cy="735555"/>
           </a:xfrm>
           <a:prstGeom prst="rect">
             <a:avLst/>
@@ -19094,13 +19149,19 @@
               <a:rPr lang="zh-CN" altLang="en-US" sz="2000" b="1" dirty="0">
                 <a:latin typeface="+mn-ea"/>
               </a:rPr>
-              <a:t>功</a:t>
+              <a:t>这</a:t>
             </a:r>
             <a:r>
               <a:rPr lang="zh-CN" altLang="en-US" sz="2000" b="1" dirty="0" smtClean="0">
                 <a:latin typeface="+mn-ea"/>
               </a:rPr>
-              <a:t>能性需求</a:t>
+              <a:t>是我们</a:t>
+            </a:r>
+            <a:r>
+              <a:rPr lang="zh-CN" altLang="en-US" sz="2000" b="1" dirty="0" smtClean="0">
+                <a:latin typeface="+mn-ea"/>
+              </a:rPr>
+              <a:t>的处理流程图</a:t>
             </a:r>
             <a:endParaRPr lang="zh-CN" altLang="en-US" sz="1100" dirty="0">
               <a:uFillTx/>
@@ -19108,408 +19169,67 @@
           </a:p>
         </p:txBody>
       </p:sp>
-      <p:sp>
-        <p:nvSpPr>
-          <p:cNvPr id="3" name="矩形 2"/>
-          <p:cNvSpPr/>
+      <p:pic>
+        <p:nvPicPr>
+          <p:cNvPr id="1026" name="图片 2" descr="1605440196(1)"/>
+          <p:cNvPicPr>
+            <a:picLocks noChangeAspect="1" noChangeArrowheads="1"/>
+          </p:cNvPicPr>
           <p:nvPr/>
-        </p:nvSpPr>
-        <p:spPr>
+        </p:nvPicPr>
+        <p:blipFill>
+          <a:blip r:embed="rId7">
+            <a:extLst>
+              <a:ext uri="{28A0092B-C50C-407E-A947-70E740481C1C}">
+                <a14:useLocalDpi xmlns:a14="http://schemas.microsoft.com/office/drawing/2010/main" val="0"/>
+              </a:ext>
+            </a:extLst>
+          </a:blip>
+          <a:srcRect/>
+          <a:stretch>
+            <a:fillRect/>
+          </a:stretch>
+        </p:blipFill>
+        <p:spPr bwMode="auto">
           <a:xfrm>
-            <a:off x="477670" y="1993541"/>
-            <a:ext cx="7920880" cy="4524315"/>
+            <a:off x="806770" y="2181548"/>
+            <a:ext cx="7530460" cy="4520999"/>
           </a:xfrm>
           <a:prstGeom prst="rect">
             <a:avLst/>
           </a:prstGeom>
-        </p:spPr>
-        <p:txBody>
-          <a:bodyPr wrap="square">
-            <a:spAutoFit/>
-          </a:bodyPr>
-          <a:lstStyle/>
-          <a:p>
-            <a:pPr algn="just">
-              <a:spcAft>
-                <a:spcPts val="0"/>
-              </a:spcAft>
-            </a:pPr>
-            <a:r>
-              <a:rPr lang="zh-CN" altLang="zh-CN" b="1" kern="100" dirty="0">
-                <a:latin typeface="Calibri" panose="020F0502020204030204" pitchFamily="34" charset="0"/>
-                <a:cs typeface="Times New Roman" panose="02020603050405020304" pitchFamily="18" charset="0"/>
-              </a:rPr>
-              <a:t>游戏攻略模块需求</a:t>
-            </a:r>
-            <a:r>
-              <a:rPr lang="en-US" altLang="zh-CN" b="1" kern="100" dirty="0">
-                <a:latin typeface="Calibri" panose="020F0502020204030204" pitchFamily="34" charset="0"/>
-                <a:cs typeface="Times New Roman" panose="02020603050405020304" pitchFamily="18" charset="0"/>
-              </a:rPr>
-              <a:t>:</a:t>
-            </a:r>
-            <a:endParaRPr lang="zh-CN" altLang="zh-CN" sz="1400" kern="100" dirty="0">
-              <a:latin typeface="Calibri" panose="020F0502020204030204" pitchFamily="34" charset="0"/>
-              <a:cs typeface="Times New Roman" panose="02020603050405020304" pitchFamily="18" charset="0"/>
-            </a:endParaRPr>
-          </a:p>
-          <a:p>
-            <a:pPr marL="342900" lvl="0" indent="-342900" algn="just">
-              <a:spcAft>
-                <a:spcPts val="0"/>
-              </a:spcAft>
-              <a:buFont typeface="宋体" panose="02010600030101010101" pitchFamily="2" charset="-122"/>
-              <a:buAutoNum type="arabicPeriod"/>
-              <a:tabLst>
-                <a:tab pos="495300" algn="l"/>
-              </a:tabLst>
-            </a:pPr>
-            <a:r>
-              <a:rPr lang="zh-CN" altLang="zh-CN" kern="100" dirty="0">
-                <a:uFill>
-                  <a:solidFill>
-                    <a:srgbClr val="000000"/>
-                  </a:solidFill>
-                </a:uFill>
-                <a:latin typeface="Calibri" panose="020F0502020204030204" pitchFamily="34" charset="0"/>
-                <a:cs typeface="Times New Roman" panose="02020603050405020304" pitchFamily="18" charset="0"/>
-              </a:rPr>
-              <a:t>网站要有系统的罗列出所有收集在系统当中的游戏模块，然后我们可以通过点击相关游戏模块来实现跳转。</a:t>
-            </a:r>
-            <a:endParaRPr lang="zh-CN" altLang="zh-CN" sz="1400" kern="100" dirty="0">
-              <a:uFill>
+          <a:noFill/>
+          <a:ln>
+            <a:noFill/>
+          </a:ln>
+          <a:extLst>
+            <a:ext uri="{909E8E84-426E-40DD-AFC4-6F175D3DCCD1}">
+              <a14:hiddenFill xmlns:a14="http://schemas.microsoft.com/office/drawing/2010/main">
+                <a:solidFill>
+                  <a:srgbClr val="FFFFFF"/>
+                </a:solidFill>
+              </a14:hiddenFill>
+            </a:ext>
+            <a:ext uri="{91240B29-F687-4F45-9708-019B960494DF}">
+              <a14:hiddenLine xmlns:a14="http://schemas.microsoft.com/office/drawing/2010/main" w="9525">
                 <a:solidFill>
                   <a:srgbClr val="000000"/>
                 </a:solidFill>
-              </a:uFill>
-              <a:latin typeface="Calibri" panose="020F0502020204030204" pitchFamily="34" charset="0"/>
-              <a:cs typeface="Times New Roman" panose="02020603050405020304" pitchFamily="18" charset="0"/>
-            </a:endParaRPr>
-          </a:p>
-          <a:p>
-            <a:pPr marL="342900" lvl="0" indent="-342900" algn="just">
-              <a:spcAft>
-                <a:spcPts val="0"/>
-              </a:spcAft>
-              <a:buFont typeface="宋体" panose="02010600030101010101" pitchFamily="2" charset="-122"/>
-              <a:buAutoNum type="arabicPeriod"/>
-              <a:tabLst>
-                <a:tab pos="495300" algn="l"/>
-              </a:tabLst>
-            </a:pPr>
-            <a:r>
-              <a:rPr lang="zh-CN" altLang="zh-CN" kern="100" dirty="0">
-                <a:uFill>
-                  <a:solidFill>
-                    <a:srgbClr val="000000"/>
-                  </a:solidFill>
-                </a:uFill>
-                <a:latin typeface="Calibri" panose="020F0502020204030204" pitchFamily="34" charset="0"/>
-                <a:cs typeface="Times New Roman" panose="02020603050405020304" pitchFamily="18" charset="0"/>
-              </a:rPr>
-              <a:t>网站中的游戏模块，包含了相关的游戏介绍、图文攻略、视频攻略和相关的成就达成设定。</a:t>
-            </a:r>
-            <a:endParaRPr lang="zh-CN" altLang="zh-CN" sz="1400" kern="100" dirty="0">
-              <a:uFill>
-                <a:solidFill>
-                  <a:srgbClr val="000000"/>
-                </a:solidFill>
-              </a:uFill>
-              <a:latin typeface="Calibri" panose="020F0502020204030204" pitchFamily="34" charset="0"/>
-              <a:cs typeface="Times New Roman" panose="02020603050405020304" pitchFamily="18" charset="0"/>
-            </a:endParaRPr>
-          </a:p>
-          <a:p>
-            <a:pPr marL="342900" lvl="0" indent="-342900" algn="just">
-              <a:spcAft>
-                <a:spcPts val="0"/>
-              </a:spcAft>
-              <a:buFont typeface="宋体" panose="02010600030101010101" pitchFamily="2" charset="-122"/>
-              <a:buAutoNum type="arabicPeriod"/>
-              <a:tabLst>
-                <a:tab pos="495300" algn="l"/>
-              </a:tabLst>
-            </a:pPr>
-            <a:r>
-              <a:rPr lang="zh-CN" altLang="zh-CN" kern="100" dirty="0">
-                <a:uFill>
-                  <a:solidFill>
-                    <a:srgbClr val="000000"/>
-                  </a:solidFill>
-                </a:uFill>
-                <a:latin typeface="Calibri" panose="020F0502020204030204" pitchFamily="34" charset="0"/>
-                <a:cs typeface="Times New Roman" panose="02020603050405020304" pitchFamily="18" charset="0"/>
-              </a:rPr>
-              <a:t>网站游戏模块要有相关的咨询推送消息用于发出相关的游戏发售资讯。</a:t>
-            </a:r>
-            <a:endParaRPr lang="zh-CN" altLang="zh-CN" sz="1400" kern="100" dirty="0">
-              <a:uFill>
-                <a:solidFill>
-                  <a:srgbClr val="000000"/>
-                </a:solidFill>
-              </a:uFill>
-              <a:latin typeface="Calibri" panose="020F0502020204030204" pitchFamily="34" charset="0"/>
-              <a:cs typeface="Times New Roman" panose="02020603050405020304" pitchFamily="18" charset="0"/>
-            </a:endParaRPr>
-          </a:p>
-          <a:p>
-            <a:pPr marL="342900" lvl="0" indent="-342900" algn="just">
-              <a:spcAft>
-                <a:spcPts val="0"/>
-              </a:spcAft>
-              <a:buFont typeface="宋体" panose="02010600030101010101" pitchFamily="2" charset="-122"/>
-              <a:buAutoNum type="arabicPeriod"/>
-              <a:tabLst>
-                <a:tab pos="495300" algn="l"/>
-              </a:tabLst>
-            </a:pPr>
-            <a:r>
-              <a:rPr lang="zh-CN" altLang="zh-CN" kern="100" dirty="0">
-                <a:uFill>
-                  <a:solidFill>
-                    <a:srgbClr val="000000"/>
-                  </a:solidFill>
-                </a:uFill>
-                <a:latin typeface="Calibri" panose="020F0502020204030204" pitchFamily="34" charset="0"/>
-                <a:cs typeface="Times New Roman" panose="02020603050405020304" pitchFamily="18" charset="0"/>
-              </a:rPr>
-              <a:t>网站游戏攻略模块中需要有详细的游戏攻略列表，可以让用户了解大致要求。</a:t>
-            </a:r>
-            <a:endParaRPr lang="zh-CN" altLang="zh-CN" sz="1400" kern="100" dirty="0">
-              <a:uFill>
-                <a:solidFill>
-                  <a:srgbClr val="000000"/>
-                </a:solidFill>
-              </a:uFill>
-              <a:latin typeface="Calibri" panose="020F0502020204030204" pitchFamily="34" charset="0"/>
-              <a:cs typeface="Times New Roman" panose="02020603050405020304" pitchFamily="18" charset="0"/>
-            </a:endParaRPr>
-          </a:p>
-          <a:p>
-            <a:pPr marL="342900" lvl="0" indent="-342900" algn="just">
-              <a:spcAft>
-                <a:spcPts val="0"/>
-              </a:spcAft>
-              <a:buFont typeface="宋体" panose="02010600030101010101" pitchFamily="2" charset="-122"/>
-              <a:buAutoNum type="arabicPeriod"/>
-              <a:tabLst>
-                <a:tab pos="495300" algn="l"/>
-              </a:tabLst>
-            </a:pPr>
-            <a:r>
-              <a:rPr lang="zh-CN" altLang="zh-CN" kern="100" dirty="0">
-                <a:uFill>
-                  <a:solidFill>
-                    <a:srgbClr val="000000"/>
-                  </a:solidFill>
-                </a:uFill>
-                <a:latin typeface="Calibri" panose="020F0502020204030204" pitchFamily="34" charset="0"/>
-                <a:cs typeface="Times New Roman" panose="02020603050405020304" pitchFamily="18" charset="0"/>
-              </a:rPr>
-              <a:t>部分权威的攻略也提供链接的方式来帮助用户更加全面了解相关细节。</a:t>
-            </a:r>
-            <a:endParaRPr lang="zh-CN" altLang="zh-CN" sz="1400" kern="100" dirty="0">
-              <a:uFill>
-                <a:solidFill>
-                  <a:srgbClr val="000000"/>
-                </a:solidFill>
-              </a:uFill>
-              <a:latin typeface="Calibri" panose="020F0502020204030204" pitchFamily="34" charset="0"/>
-              <a:cs typeface="Times New Roman" panose="02020603050405020304" pitchFamily="18" charset="0"/>
-            </a:endParaRPr>
-          </a:p>
-          <a:p>
-            <a:pPr algn="just">
-              <a:spcAft>
-                <a:spcPts val="0"/>
-              </a:spcAft>
-            </a:pPr>
-            <a:r>
-              <a:rPr lang="zh-CN" altLang="zh-CN" b="1" kern="100" dirty="0">
-                <a:latin typeface="Calibri" panose="020F0502020204030204" pitchFamily="34" charset="0"/>
-                <a:cs typeface="Times New Roman" panose="02020603050405020304" pitchFamily="18" charset="0"/>
-              </a:rPr>
-              <a:t>论坛模块需求：</a:t>
-            </a:r>
-            <a:endParaRPr lang="zh-CN" altLang="zh-CN" sz="1400" kern="100" dirty="0">
-              <a:latin typeface="Calibri" panose="020F0502020204030204" pitchFamily="34" charset="0"/>
-              <a:cs typeface="Times New Roman" panose="02020603050405020304" pitchFamily="18" charset="0"/>
-            </a:endParaRPr>
-          </a:p>
-          <a:p>
-            <a:pPr marL="342900" lvl="0" indent="-342900" algn="just">
-              <a:spcAft>
-                <a:spcPts val="0"/>
-              </a:spcAft>
-              <a:buFont typeface="宋体" panose="02010600030101010101" pitchFamily="2" charset="-122"/>
-              <a:buAutoNum type="arabicPeriod"/>
-              <a:tabLst>
-                <a:tab pos="495300" algn="l"/>
-              </a:tabLst>
-            </a:pPr>
-            <a:r>
-              <a:rPr lang="zh-CN" altLang="zh-CN" kern="100" dirty="0">
-                <a:uFill>
-                  <a:solidFill>
-                    <a:srgbClr val="000000"/>
-                  </a:solidFill>
-                </a:uFill>
-                <a:latin typeface="Calibri" panose="020F0502020204030204" pitchFamily="34" charset="0"/>
-                <a:cs typeface="Times New Roman" panose="02020603050405020304" pitchFamily="18" charset="0"/>
-              </a:rPr>
-              <a:t>同样可以在论坛进入后的首要界面显示各种游戏模块，方便区分各个游戏论坛；</a:t>
-            </a:r>
-            <a:endParaRPr lang="zh-CN" altLang="zh-CN" sz="1400" kern="100" dirty="0">
-              <a:uFill>
-                <a:solidFill>
-                  <a:srgbClr val="000000"/>
-                </a:solidFill>
-              </a:uFill>
-              <a:latin typeface="Calibri" panose="020F0502020204030204" pitchFamily="34" charset="0"/>
-              <a:cs typeface="Times New Roman" panose="02020603050405020304" pitchFamily="18" charset="0"/>
-            </a:endParaRPr>
-          </a:p>
-          <a:p>
-            <a:pPr marL="342900" lvl="0" indent="-342900" algn="just">
-              <a:spcAft>
-                <a:spcPts val="0"/>
-              </a:spcAft>
-              <a:buFont typeface="宋体" panose="02010600030101010101" pitchFamily="2" charset="-122"/>
-              <a:buAutoNum type="arabicPeriod"/>
-              <a:tabLst>
-                <a:tab pos="495300" algn="l"/>
-              </a:tabLst>
-            </a:pPr>
-            <a:r>
-              <a:rPr lang="zh-CN" altLang="zh-CN" kern="100" dirty="0">
-                <a:uFill>
-                  <a:solidFill>
-                    <a:srgbClr val="000000"/>
-                  </a:solidFill>
-                </a:uFill>
-                <a:latin typeface="Calibri" panose="020F0502020204030204" pitchFamily="34" charset="0"/>
-                <a:cs typeface="Times New Roman" panose="02020603050405020304" pitchFamily="18" charset="0"/>
-              </a:rPr>
-              <a:t>论坛可以自由的在其他人的模块下进行评论，实现楼层论坛的形式；</a:t>
-            </a:r>
-            <a:endParaRPr lang="zh-CN" altLang="zh-CN" sz="1400" kern="100" dirty="0">
-              <a:uFill>
-                <a:solidFill>
-                  <a:srgbClr val="000000"/>
-                </a:solidFill>
-              </a:uFill>
-              <a:latin typeface="Calibri" panose="020F0502020204030204" pitchFamily="34" charset="0"/>
-              <a:cs typeface="Times New Roman" panose="02020603050405020304" pitchFamily="18" charset="0"/>
-            </a:endParaRPr>
-          </a:p>
-          <a:p>
-            <a:pPr marL="342900" lvl="0" indent="-342900" algn="just">
-              <a:spcAft>
-                <a:spcPts val="0"/>
-              </a:spcAft>
-              <a:buFont typeface="宋体" panose="02010600030101010101" pitchFamily="2" charset="-122"/>
-              <a:buAutoNum type="arabicPeriod"/>
-              <a:tabLst>
-                <a:tab pos="495300" algn="l"/>
-              </a:tabLst>
-            </a:pPr>
-            <a:r>
-              <a:rPr lang="zh-CN" altLang="zh-CN" kern="100" dirty="0">
-                <a:uFill>
-                  <a:solidFill>
-                    <a:srgbClr val="000000"/>
-                  </a:solidFill>
-                </a:uFill>
-                <a:latin typeface="Calibri" panose="020F0502020204030204" pitchFamily="34" charset="0"/>
-                <a:cs typeface="Times New Roman" panose="02020603050405020304" pitchFamily="18" charset="0"/>
-              </a:rPr>
-              <a:t>论坛中要能及时看到版主的通知</a:t>
-            </a:r>
-            <a:endParaRPr lang="zh-CN" altLang="zh-CN" sz="1400" kern="100" dirty="0">
-              <a:uFill>
-                <a:solidFill>
-                  <a:srgbClr val="000000"/>
-                </a:solidFill>
-              </a:uFill>
-              <a:latin typeface="Calibri" panose="020F0502020204030204" pitchFamily="34" charset="0"/>
-              <a:cs typeface="Times New Roman" panose="02020603050405020304" pitchFamily="18" charset="0"/>
-            </a:endParaRPr>
-          </a:p>
-          <a:p>
-            <a:pPr marL="342900" lvl="0" indent="-342900" algn="just">
-              <a:spcAft>
-                <a:spcPts val="0"/>
-              </a:spcAft>
-              <a:buFont typeface="宋体" panose="02010600030101010101" pitchFamily="2" charset="-122"/>
-              <a:buAutoNum type="arabicPeriod"/>
-              <a:tabLst>
-                <a:tab pos="495300" algn="l"/>
-              </a:tabLst>
-            </a:pPr>
-            <a:r>
-              <a:rPr lang="zh-CN" altLang="zh-CN" kern="100" dirty="0">
-                <a:uFill>
-                  <a:solidFill>
-                    <a:srgbClr val="000000"/>
-                  </a:solidFill>
-                </a:uFill>
-                <a:latin typeface="Calibri" panose="020F0502020204030204" pitchFamily="34" charset="0"/>
-                <a:cs typeface="Times New Roman" panose="02020603050405020304" pitchFamily="18" charset="0"/>
-              </a:rPr>
-              <a:t>论坛能提供一定共享功能</a:t>
-            </a:r>
-            <a:endParaRPr lang="zh-CN" altLang="zh-CN" sz="1400" kern="100" dirty="0">
-              <a:uFill>
-                <a:solidFill>
-                  <a:srgbClr val="000000"/>
-                </a:solidFill>
-              </a:uFill>
-              <a:latin typeface="Calibri" panose="020F0502020204030204" pitchFamily="34" charset="0"/>
-              <a:cs typeface="Times New Roman" panose="02020603050405020304" pitchFamily="18" charset="0"/>
-            </a:endParaRPr>
-          </a:p>
-          <a:p>
-            <a:pPr marL="342900" lvl="0" indent="-342900" algn="just">
-              <a:spcAft>
-                <a:spcPts val="0"/>
-              </a:spcAft>
-              <a:buFont typeface="宋体" panose="02010600030101010101" pitchFamily="2" charset="-122"/>
-              <a:buAutoNum type="arabicPeriod"/>
-              <a:tabLst>
-                <a:tab pos="495300" algn="l"/>
-              </a:tabLst>
-            </a:pPr>
-            <a:r>
-              <a:rPr lang="zh-CN" altLang="zh-CN" kern="100" dirty="0">
-                <a:uFill>
-                  <a:solidFill>
-                    <a:srgbClr val="000000"/>
-                  </a:solidFill>
-                </a:uFill>
-                <a:latin typeface="Calibri" panose="020F0502020204030204" pitchFamily="34" charset="0"/>
-                <a:cs typeface="Times New Roman" panose="02020603050405020304" pitchFamily="18" charset="0"/>
-              </a:rPr>
-              <a:t>论坛可以提供站内内容标题搜索功能。</a:t>
-            </a:r>
-            <a:endParaRPr lang="zh-CN" altLang="zh-CN" sz="1400" kern="100" dirty="0">
-              <a:uFill>
-                <a:solidFill>
-                  <a:srgbClr val="000000"/>
-                </a:solidFill>
-              </a:uFill>
-              <a:latin typeface="Calibri" panose="020F0502020204030204" pitchFamily="34" charset="0"/>
-              <a:cs typeface="Times New Roman" panose="02020603050405020304" pitchFamily="18" charset="0"/>
-            </a:endParaRPr>
-          </a:p>
-        </p:txBody>
-      </p:sp>
+                <a:miter lim="800000"/>
+                <a:headEnd/>
+                <a:tailEnd/>
+              </a14:hiddenLine>
+            </a:ext>
+          </a:extLst>
+        </p:spPr>
+      </p:pic>
     </p:spTree>
     <p:custDataLst>
       <p:tags r:id="rId1"/>
     </p:custDataLst>
     <p:extLst>
       <p:ext uri="{BB962C8B-B14F-4D97-AF65-F5344CB8AC3E}">
-        <p14:creationId xmlns:p14="http://schemas.microsoft.com/office/powerpoint/2010/main" val="3062063435"/>
+        <p14:creationId xmlns:p14="http://schemas.microsoft.com/office/powerpoint/2010/main" val="29295424"/>
       </p:ext>
     </p:extLst>
   </p:cSld>
@@ -19879,10 +19599,16 @@
               <a:defRPr/>
             </a:pPr>
             <a:r>
+              <a:rPr lang="zh-CN" altLang="en-US" sz="2000" b="1" dirty="0">
+                <a:latin typeface="+mn-ea"/>
+              </a:rPr>
+              <a:t>功</a:t>
+            </a:r>
+            <a:r>
               <a:rPr lang="zh-CN" altLang="en-US" sz="2000" b="1" dirty="0" smtClean="0">
                 <a:latin typeface="+mn-ea"/>
               </a:rPr>
-              <a:t>非功能性需求</a:t>
+              <a:t>能性需求</a:t>
             </a:r>
             <a:endParaRPr lang="zh-CN" altLang="en-US" sz="1100" dirty="0">
               <a:uFillTx/>
@@ -19911,95 +19637,377 @@
           </a:bodyPr>
           <a:lstStyle/>
           <a:p>
-            <a:r>
-              <a:rPr lang="zh-CN" altLang="zh-CN" b="1" dirty="0"/>
-              <a:t>界面需求：</a:t>
-            </a:r>
-            <a:endParaRPr lang="zh-CN" altLang="zh-CN" dirty="0"/>
-          </a:p>
-          <a:p>
-            <a:r>
-              <a:rPr lang="en-US" altLang="zh-CN" b="1" dirty="0"/>
-              <a:t> </a:t>
-            </a:r>
-            <a:endParaRPr lang="zh-CN" altLang="zh-CN" dirty="0"/>
-          </a:p>
-          <a:p>
-            <a:r>
-              <a:rPr lang="zh-CN" altLang="zh-CN" dirty="0"/>
-              <a:t>界面风格贴进游戏风格，绚丽多彩，</a:t>
-            </a:r>
-            <a:r>
-              <a:rPr lang="zh-CN" altLang="zh-CN" b="1" dirty="0"/>
-              <a:t>用户要求最好有动态交互感，可以有丰富的互动；</a:t>
-            </a:r>
-            <a:endParaRPr lang="zh-CN" altLang="zh-CN" dirty="0"/>
-          </a:p>
-          <a:p>
-            <a:r>
-              <a:rPr lang="en-US" altLang="zh-CN" b="1" dirty="0"/>
-              <a:t> </a:t>
-            </a:r>
-            <a:endParaRPr lang="zh-CN" altLang="zh-CN" dirty="0"/>
-          </a:p>
-          <a:p>
-            <a:r>
-              <a:rPr lang="zh-CN" altLang="zh-CN" b="1" dirty="0"/>
-              <a:t>易用性需求：</a:t>
-            </a:r>
-            <a:endParaRPr lang="zh-CN" altLang="zh-CN" dirty="0"/>
-          </a:p>
-          <a:p>
-            <a:r>
-              <a:rPr lang="en-US" altLang="zh-CN" b="1" dirty="0"/>
-              <a:t> </a:t>
-            </a:r>
-            <a:endParaRPr lang="zh-CN" altLang="zh-CN" dirty="0"/>
-          </a:p>
-          <a:p>
-            <a:r>
-              <a:rPr lang="zh-CN" altLang="zh-CN" dirty="0"/>
-              <a:t>各个网页界面都配备导航条以及相关的按钮，网页上的组件都是附有链接帮助我们实现界面间的跳转，</a:t>
-            </a:r>
-            <a:r>
-              <a:rPr lang="zh-CN" altLang="zh-CN" b="1" dirty="0"/>
-              <a:t>学生普通用户代表孙圣顺提出希望在执行某系操作的时候可以弹出提示窗口，帮助熟悉系统；</a:t>
-            </a:r>
-            <a:endParaRPr lang="zh-CN" altLang="zh-CN" dirty="0"/>
-          </a:p>
-          <a:p>
-            <a:r>
-              <a:rPr lang="en-US" altLang="zh-CN" b="1" dirty="0"/>
-              <a:t> </a:t>
-            </a:r>
-            <a:endParaRPr lang="zh-CN" altLang="zh-CN" dirty="0"/>
-          </a:p>
-          <a:p>
-            <a:r>
-              <a:rPr lang="zh-CN" altLang="zh-CN" b="1" dirty="0"/>
-              <a:t>安全性需求：</a:t>
-            </a:r>
-            <a:endParaRPr lang="zh-CN" altLang="zh-CN" dirty="0"/>
-          </a:p>
-          <a:p>
-            <a:r>
-              <a:rPr lang="en-US" altLang="zh-CN" b="1" dirty="0"/>
-              <a:t> </a:t>
-            </a:r>
-            <a:endParaRPr lang="zh-CN" altLang="zh-CN" dirty="0"/>
-          </a:p>
-          <a:p>
-            <a:r>
-              <a:rPr lang="zh-CN" altLang="zh-CN" dirty="0"/>
-              <a:t>仅仅只能够做到简单的账号密码的安全检验，其他的相关要求只能够和教师用户杨枨老师确认之后才能够继续深化；</a:t>
-            </a:r>
-          </a:p>
-          <a:p>
-            <a:r>
-              <a:rPr lang="en-US" altLang="zh-CN" b="1" dirty="0"/>
-              <a:t> </a:t>
-            </a:r>
-            <a:endParaRPr lang="zh-CN" altLang="zh-CN" dirty="0"/>
+            <a:pPr algn="just">
+              <a:spcAft>
+                <a:spcPts val="0"/>
+              </a:spcAft>
+            </a:pPr>
+            <a:r>
+              <a:rPr lang="zh-CN" altLang="zh-CN" b="1" kern="100" dirty="0">
+                <a:latin typeface="Calibri" panose="020F0502020204030204" pitchFamily="34" charset="0"/>
+                <a:cs typeface="Times New Roman" panose="02020603050405020304" pitchFamily="18" charset="0"/>
+              </a:rPr>
+              <a:t>游戏攻略模块需求</a:t>
+            </a:r>
+            <a:r>
+              <a:rPr lang="en-US" altLang="zh-CN" b="1" kern="100" dirty="0">
+                <a:latin typeface="Calibri" panose="020F0502020204030204" pitchFamily="34" charset="0"/>
+                <a:cs typeface="Times New Roman" panose="02020603050405020304" pitchFamily="18" charset="0"/>
+              </a:rPr>
+              <a:t>:</a:t>
+            </a:r>
+            <a:endParaRPr lang="zh-CN" altLang="zh-CN" sz="1400" kern="100" dirty="0">
+              <a:latin typeface="Calibri" panose="020F0502020204030204" pitchFamily="34" charset="0"/>
+              <a:cs typeface="Times New Roman" panose="02020603050405020304" pitchFamily="18" charset="0"/>
+            </a:endParaRPr>
+          </a:p>
+          <a:p>
+            <a:pPr marL="342900" lvl="0" indent="-342900" algn="just">
+              <a:spcAft>
+                <a:spcPts val="0"/>
+              </a:spcAft>
+              <a:buFont typeface="宋体" panose="02010600030101010101" pitchFamily="2" charset="-122"/>
+              <a:buAutoNum type="arabicPeriod"/>
+              <a:tabLst>
+                <a:tab pos="495300" algn="l"/>
+              </a:tabLst>
+            </a:pPr>
+            <a:r>
+              <a:rPr lang="zh-CN" altLang="zh-CN" kern="100" dirty="0">
+                <a:uFill>
+                  <a:solidFill>
+                    <a:srgbClr val="000000"/>
+                  </a:solidFill>
+                </a:uFill>
+                <a:latin typeface="Calibri" panose="020F0502020204030204" pitchFamily="34" charset="0"/>
+                <a:cs typeface="Times New Roman" panose="02020603050405020304" pitchFamily="18" charset="0"/>
+              </a:rPr>
+              <a:t>网站要有系统的罗列出所有收集在系统当中的游戏模块，然后我们可以通过点击相关游戏模块来实现跳转。</a:t>
+            </a:r>
+            <a:endParaRPr lang="zh-CN" altLang="zh-CN" sz="1400" kern="100" dirty="0">
+              <a:uFill>
+                <a:solidFill>
+                  <a:srgbClr val="000000"/>
+                </a:solidFill>
+              </a:uFill>
+              <a:latin typeface="Calibri" panose="020F0502020204030204" pitchFamily="34" charset="0"/>
+              <a:cs typeface="Times New Roman" panose="02020603050405020304" pitchFamily="18" charset="0"/>
+            </a:endParaRPr>
+          </a:p>
+          <a:p>
+            <a:pPr marL="342900" lvl="0" indent="-342900" algn="just">
+              <a:spcAft>
+                <a:spcPts val="0"/>
+              </a:spcAft>
+              <a:buFont typeface="宋体" panose="02010600030101010101" pitchFamily="2" charset="-122"/>
+              <a:buAutoNum type="arabicPeriod"/>
+              <a:tabLst>
+                <a:tab pos="495300" algn="l"/>
+              </a:tabLst>
+            </a:pPr>
+            <a:r>
+              <a:rPr lang="zh-CN" altLang="zh-CN" kern="100" dirty="0">
+                <a:uFill>
+                  <a:solidFill>
+                    <a:srgbClr val="000000"/>
+                  </a:solidFill>
+                </a:uFill>
+                <a:latin typeface="Calibri" panose="020F0502020204030204" pitchFamily="34" charset="0"/>
+                <a:cs typeface="Times New Roman" panose="02020603050405020304" pitchFamily="18" charset="0"/>
+              </a:rPr>
+              <a:t>网站中的游戏模块，包含了相关的游戏介绍、图文攻略、视频攻略和相关的成就达成设定。</a:t>
+            </a:r>
+            <a:endParaRPr lang="zh-CN" altLang="zh-CN" sz="1400" kern="100" dirty="0">
+              <a:uFill>
+                <a:solidFill>
+                  <a:srgbClr val="000000"/>
+                </a:solidFill>
+              </a:uFill>
+              <a:latin typeface="Calibri" panose="020F0502020204030204" pitchFamily="34" charset="0"/>
+              <a:cs typeface="Times New Roman" panose="02020603050405020304" pitchFamily="18" charset="0"/>
+            </a:endParaRPr>
+          </a:p>
+          <a:p>
+            <a:pPr marL="342900" lvl="0" indent="-342900" algn="just">
+              <a:spcAft>
+                <a:spcPts val="0"/>
+              </a:spcAft>
+              <a:buFont typeface="宋体" panose="02010600030101010101" pitchFamily="2" charset="-122"/>
+              <a:buAutoNum type="arabicPeriod"/>
+              <a:tabLst>
+                <a:tab pos="495300" algn="l"/>
+              </a:tabLst>
+            </a:pPr>
+            <a:r>
+              <a:rPr lang="zh-CN" altLang="zh-CN" kern="100" dirty="0">
+                <a:uFill>
+                  <a:solidFill>
+                    <a:srgbClr val="000000"/>
+                  </a:solidFill>
+                </a:uFill>
+                <a:latin typeface="Calibri" panose="020F0502020204030204" pitchFamily="34" charset="0"/>
+                <a:cs typeface="Times New Roman" panose="02020603050405020304" pitchFamily="18" charset="0"/>
+              </a:rPr>
+              <a:t>网站游戏模块要有相关的咨询推送消息用于发出相关的游戏发售资讯。</a:t>
+            </a:r>
+            <a:endParaRPr lang="zh-CN" altLang="zh-CN" sz="1400" kern="100" dirty="0">
+              <a:uFill>
+                <a:solidFill>
+                  <a:srgbClr val="000000"/>
+                </a:solidFill>
+              </a:uFill>
+              <a:latin typeface="Calibri" panose="020F0502020204030204" pitchFamily="34" charset="0"/>
+              <a:cs typeface="Times New Roman" panose="02020603050405020304" pitchFamily="18" charset="0"/>
+            </a:endParaRPr>
+          </a:p>
+          <a:p>
+            <a:pPr marL="342900" lvl="0" indent="-342900" algn="just">
+              <a:spcAft>
+                <a:spcPts val="0"/>
+              </a:spcAft>
+              <a:buFont typeface="宋体" panose="02010600030101010101" pitchFamily="2" charset="-122"/>
+              <a:buAutoNum type="arabicPeriod"/>
+              <a:tabLst>
+                <a:tab pos="495300" algn="l"/>
+              </a:tabLst>
+            </a:pPr>
+            <a:r>
+              <a:rPr lang="zh-CN" altLang="zh-CN" kern="100" dirty="0">
+                <a:uFill>
+                  <a:solidFill>
+                    <a:srgbClr val="000000"/>
+                  </a:solidFill>
+                </a:uFill>
+                <a:latin typeface="Calibri" panose="020F0502020204030204" pitchFamily="34" charset="0"/>
+                <a:cs typeface="Times New Roman" panose="02020603050405020304" pitchFamily="18" charset="0"/>
+              </a:rPr>
+              <a:t>网站游戏攻略模块中需要有详细的游戏攻略列表，可以让用户了解大致要求。</a:t>
+            </a:r>
+            <a:endParaRPr lang="zh-CN" altLang="zh-CN" sz="1400" kern="100" dirty="0">
+              <a:uFill>
+                <a:solidFill>
+                  <a:srgbClr val="000000"/>
+                </a:solidFill>
+              </a:uFill>
+              <a:latin typeface="Calibri" panose="020F0502020204030204" pitchFamily="34" charset="0"/>
+              <a:cs typeface="Times New Roman" panose="02020603050405020304" pitchFamily="18" charset="0"/>
+            </a:endParaRPr>
+          </a:p>
+          <a:p>
+            <a:pPr marL="342900" lvl="0" indent="-342900" algn="just">
+              <a:spcAft>
+                <a:spcPts val="0"/>
+              </a:spcAft>
+              <a:buFont typeface="宋体" panose="02010600030101010101" pitchFamily="2" charset="-122"/>
+              <a:buAutoNum type="arabicPeriod"/>
+              <a:tabLst>
+                <a:tab pos="495300" algn="l"/>
+              </a:tabLst>
+            </a:pPr>
+            <a:r>
+              <a:rPr lang="zh-CN" altLang="zh-CN" kern="100" dirty="0">
+                <a:uFill>
+                  <a:solidFill>
+                    <a:srgbClr val="000000"/>
+                  </a:solidFill>
+                </a:uFill>
+                <a:latin typeface="Calibri" panose="020F0502020204030204" pitchFamily="34" charset="0"/>
+                <a:cs typeface="Times New Roman" panose="02020603050405020304" pitchFamily="18" charset="0"/>
+              </a:rPr>
+              <a:t>部分权威的攻略也提供链接的方式来帮助用户更加全面了解相关细节。</a:t>
+            </a:r>
+            <a:endParaRPr lang="zh-CN" altLang="zh-CN" sz="1400" kern="100" dirty="0">
+              <a:uFill>
+                <a:solidFill>
+                  <a:srgbClr val="000000"/>
+                </a:solidFill>
+              </a:uFill>
+              <a:latin typeface="Calibri" panose="020F0502020204030204" pitchFamily="34" charset="0"/>
+              <a:cs typeface="Times New Roman" panose="02020603050405020304" pitchFamily="18" charset="0"/>
+            </a:endParaRPr>
+          </a:p>
+          <a:p>
+            <a:pPr algn="just">
+              <a:spcAft>
+                <a:spcPts val="0"/>
+              </a:spcAft>
+            </a:pPr>
+            <a:r>
+              <a:rPr lang="zh-CN" altLang="zh-CN" b="1" kern="100" dirty="0">
+                <a:latin typeface="Calibri" panose="020F0502020204030204" pitchFamily="34" charset="0"/>
+                <a:cs typeface="Times New Roman" panose="02020603050405020304" pitchFamily="18" charset="0"/>
+              </a:rPr>
+              <a:t>论坛模块需求：</a:t>
+            </a:r>
+            <a:endParaRPr lang="zh-CN" altLang="zh-CN" sz="1400" kern="100" dirty="0">
+              <a:latin typeface="Calibri" panose="020F0502020204030204" pitchFamily="34" charset="0"/>
+              <a:cs typeface="Times New Roman" panose="02020603050405020304" pitchFamily="18" charset="0"/>
+            </a:endParaRPr>
+          </a:p>
+          <a:p>
+            <a:pPr marL="342900" lvl="0" indent="-342900" algn="just">
+              <a:spcAft>
+                <a:spcPts val="0"/>
+              </a:spcAft>
+              <a:buFont typeface="宋体" panose="02010600030101010101" pitchFamily="2" charset="-122"/>
+              <a:buAutoNum type="arabicPeriod"/>
+              <a:tabLst>
+                <a:tab pos="495300" algn="l"/>
+              </a:tabLst>
+            </a:pPr>
+            <a:r>
+              <a:rPr lang="zh-CN" altLang="zh-CN" kern="100" dirty="0">
+                <a:uFill>
+                  <a:solidFill>
+                    <a:srgbClr val="000000"/>
+                  </a:solidFill>
+                </a:uFill>
+                <a:latin typeface="Calibri" panose="020F0502020204030204" pitchFamily="34" charset="0"/>
+                <a:cs typeface="Times New Roman" panose="02020603050405020304" pitchFamily="18" charset="0"/>
+              </a:rPr>
+              <a:t>同样可以在论坛进入后的首要界面显示各种游戏模块，方便区分各个游戏论坛；</a:t>
+            </a:r>
+            <a:endParaRPr lang="zh-CN" altLang="zh-CN" sz="1400" kern="100" dirty="0">
+              <a:uFill>
+                <a:solidFill>
+                  <a:srgbClr val="000000"/>
+                </a:solidFill>
+              </a:uFill>
+              <a:latin typeface="Calibri" panose="020F0502020204030204" pitchFamily="34" charset="0"/>
+              <a:cs typeface="Times New Roman" panose="02020603050405020304" pitchFamily="18" charset="0"/>
+            </a:endParaRPr>
+          </a:p>
+          <a:p>
+            <a:pPr marL="342900" lvl="0" indent="-342900" algn="just">
+              <a:spcAft>
+                <a:spcPts val="0"/>
+              </a:spcAft>
+              <a:buFont typeface="宋体" panose="02010600030101010101" pitchFamily="2" charset="-122"/>
+              <a:buAutoNum type="arabicPeriod"/>
+              <a:tabLst>
+                <a:tab pos="495300" algn="l"/>
+              </a:tabLst>
+            </a:pPr>
+            <a:r>
+              <a:rPr lang="zh-CN" altLang="zh-CN" kern="100" dirty="0">
+                <a:uFill>
+                  <a:solidFill>
+                    <a:srgbClr val="000000"/>
+                  </a:solidFill>
+                </a:uFill>
+                <a:latin typeface="Calibri" panose="020F0502020204030204" pitchFamily="34" charset="0"/>
+                <a:cs typeface="Times New Roman" panose="02020603050405020304" pitchFamily="18" charset="0"/>
+              </a:rPr>
+              <a:t>论坛可以自由的在其他人的模块下进行评论，实现楼层论坛的形式；</a:t>
+            </a:r>
+            <a:endParaRPr lang="zh-CN" altLang="zh-CN" sz="1400" kern="100" dirty="0">
+              <a:uFill>
+                <a:solidFill>
+                  <a:srgbClr val="000000"/>
+                </a:solidFill>
+              </a:uFill>
+              <a:latin typeface="Calibri" panose="020F0502020204030204" pitchFamily="34" charset="0"/>
+              <a:cs typeface="Times New Roman" panose="02020603050405020304" pitchFamily="18" charset="0"/>
+            </a:endParaRPr>
+          </a:p>
+          <a:p>
+            <a:pPr marL="342900" lvl="0" indent="-342900" algn="just">
+              <a:spcAft>
+                <a:spcPts val="0"/>
+              </a:spcAft>
+              <a:buFont typeface="宋体" panose="02010600030101010101" pitchFamily="2" charset="-122"/>
+              <a:buAutoNum type="arabicPeriod"/>
+              <a:tabLst>
+                <a:tab pos="495300" algn="l"/>
+              </a:tabLst>
+            </a:pPr>
+            <a:r>
+              <a:rPr lang="zh-CN" altLang="zh-CN" kern="100" dirty="0">
+                <a:uFill>
+                  <a:solidFill>
+                    <a:srgbClr val="000000"/>
+                  </a:solidFill>
+                </a:uFill>
+                <a:latin typeface="Calibri" panose="020F0502020204030204" pitchFamily="34" charset="0"/>
+                <a:cs typeface="Times New Roman" panose="02020603050405020304" pitchFamily="18" charset="0"/>
+              </a:rPr>
+              <a:t>论坛中要能及时看到版主的通知</a:t>
+            </a:r>
+            <a:endParaRPr lang="zh-CN" altLang="zh-CN" sz="1400" kern="100" dirty="0">
+              <a:uFill>
+                <a:solidFill>
+                  <a:srgbClr val="000000"/>
+                </a:solidFill>
+              </a:uFill>
+              <a:latin typeface="Calibri" panose="020F0502020204030204" pitchFamily="34" charset="0"/>
+              <a:cs typeface="Times New Roman" panose="02020603050405020304" pitchFamily="18" charset="0"/>
+            </a:endParaRPr>
+          </a:p>
+          <a:p>
+            <a:pPr marL="342900" lvl="0" indent="-342900" algn="just">
+              <a:spcAft>
+                <a:spcPts val="0"/>
+              </a:spcAft>
+              <a:buFont typeface="宋体" panose="02010600030101010101" pitchFamily="2" charset="-122"/>
+              <a:buAutoNum type="arabicPeriod"/>
+              <a:tabLst>
+                <a:tab pos="495300" algn="l"/>
+              </a:tabLst>
+            </a:pPr>
+            <a:r>
+              <a:rPr lang="zh-CN" altLang="zh-CN" kern="100" dirty="0">
+                <a:uFill>
+                  <a:solidFill>
+                    <a:srgbClr val="000000"/>
+                  </a:solidFill>
+                </a:uFill>
+                <a:latin typeface="Calibri" panose="020F0502020204030204" pitchFamily="34" charset="0"/>
+                <a:cs typeface="Times New Roman" panose="02020603050405020304" pitchFamily="18" charset="0"/>
+              </a:rPr>
+              <a:t>论坛能提供一定共享功能</a:t>
+            </a:r>
+            <a:endParaRPr lang="zh-CN" altLang="zh-CN" sz="1400" kern="100" dirty="0">
+              <a:uFill>
+                <a:solidFill>
+                  <a:srgbClr val="000000"/>
+                </a:solidFill>
+              </a:uFill>
+              <a:latin typeface="Calibri" panose="020F0502020204030204" pitchFamily="34" charset="0"/>
+              <a:cs typeface="Times New Roman" panose="02020603050405020304" pitchFamily="18" charset="0"/>
+            </a:endParaRPr>
+          </a:p>
+          <a:p>
+            <a:pPr marL="342900" lvl="0" indent="-342900" algn="just">
+              <a:spcAft>
+                <a:spcPts val="0"/>
+              </a:spcAft>
+              <a:buFont typeface="宋体" panose="02010600030101010101" pitchFamily="2" charset="-122"/>
+              <a:buAutoNum type="arabicPeriod"/>
+              <a:tabLst>
+                <a:tab pos="495300" algn="l"/>
+              </a:tabLst>
+            </a:pPr>
+            <a:r>
+              <a:rPr lang="zh-CN" altLang="zh-CN" kern="100" dirty="0">
+                <a:uFill>
+                  <a:solidFill>
+                    <a:srgbClr val="000000"/>
+                  </a:solidFill>
+                </a:uFill>
+                <a:latin typeface="Calibri" panose="020F0502020204030204" pitchFamily="34" charset="0"/>
+                <a:cs typeface="Times New Roman" panose="02020603050405020304" pitchFamily="18" charset="0"/>
+              </a:rPr>
+              <a:t>论坛可以提供站内内容标题搜索功能。</a:t>
+            </a:r>
+            <a:endParaRPr lang="zh-CN" altLang="zh-CN" sz="1400" kern="100" dirty="0">
+              <a:uFill>
+                <a:solidFill>
+                  <a:srgbClr val="000000"/>
+                </a:solidFill>
+              </a:uFill>
+              <a:latin typeface="Calibri" panose="020F0502020204030204" pitchFamily="34" charset="0"/>
+              <a:cs typeface="Times New Roman" panose="02020603050405020304" pitchFamily="18" charset="0"/>
+            </a:endParaRPr>
           </a:p>
         </p:txBody>
       </p:sp>
@@ -20009,7 +20017,7 @@
     </p:custDataLst>
     <p:extLst>
       <p:ext uri="{BB962C8B-B14F-4D97-AF65-F5344CB8AC3E}">
-        <p14:creationId xmlns:p14="http://schemas.microsoft.com/office/powerpoint/2010/main" val="55595584"/>
+        <p14:creationId xmlns:p14="http://schemas.microsoft.com/office/powerpoint/2010/main" val="3062063435"/>
       </p:ext>
     </p:extLst>
   </p:cSld>
@@ -20482,6 +20490,506 @@
         <p:spPr>
           <a:xfrm>
             <a:off x="477670" y="1993541"/>
+            <a:ext cx="7920880" cy="4524315"/>
+          </a:xfrm>
+          <a:prstGeom prst="rect">
+            <a:avLst/>
+          </a:prstGeom>
+        </p:spPr>
+        <p:txBody>
+          <a:bodyPr wrap="square">
+            <a:spAutoFit/>
+          </a:bodyPr>
+          <a:lstStyle/>
+          <a:p>
+            <a:r>
+              <a:rPr lang="zh-CN" altLang="zh-CN" b="1" dirty="0"/>
+              <a:t>界面需求：</a:t>
+            </a:r>
+            <a:endParaRPr lang="zh-CN" altLang="zh-CN" dirty="0"/>
+          </a:p>
+          <a:p>
+            <a:r>
+              <a:rPr lang="en-US" altLang="zh-CN" b="1" dirty="0"/>
+              <a:t> </a:t>
+            </a:r>
+            <a:endParaRPr lang="zh-CN" altLang="zh-CN" dirty="0"/>
+          </a:p>
+          <a:p>
+            <a:r>
+              <a:rPr lang="zh-CN" altLang="zh-CN" dirty="0"/>
+              <a:t>界面风格贴进游戏风格，绚丽多彩，</a:t>
+            </a:r>
+            <a:r>
+              <a:rPr lang="zh-CN" altLang="zh-CN" b="1" dirty="0"/>
+              <a:t>用户要求最好有动态交互感，可以有丰富的互动；</a:t>
+            </a:r>
+            <a:endParaRPr lang="zh-CN" altLang="zh-CN" dirty="0"/>
+          </a:p>
+          <a:p>
+            <a:r>
+              <a:rPr lang="en-US" altLang="zh-CN" b="1" dirty="0"/>
+              <a:t> </a:t>
+            </a:r>
+            <a:endParaRPr lang="zh-CN" altLang="zh-CN" dirty="0"/>
+          </a:p>
+          <a:p>
+            <a:r>
+              <a:rPr lang="zh-CN" altLang="zh-CN" b="1" dirty="0"/>
+              <a:t>易用性需求：</a:t>
+            </a:r>
+            <a:endParaRPr lang="zh-CN" altLang="zh-CN" dirty="0"/>
+          </a:p>
+          <a:p>
+            <a:r>
+              <a:rPr lang="en-US" altLang="zh-CN" b="1" dirty="0"/>
+              <a:t> </a:t>
+            </a:r>
+            <a:endParaRPr lang="zh-CN" altLang="zh-CN" dirty="0"/>
+          </a:p>
+          <a:p>
+            <a:r>
+              <a:rPr lang="zh-CN" altLang="zh-CN" dirty="0"/>
+              <a:t>各个网页界面都配备导航条以及相关的按钮，网页上的组件都是附有链接帮助我们实现界面间的跳转，</a:t>
+            </a:r>
+            <a:r>
+              <a:rPr lang="zh-CN" altLang="zh-CN" b="1" dirty="0"/>
+              <a:t>学生普通用户代表孙圣顺提出希望在执行某系操作的时候可以弹出提示窗口，帮助熟悉系统；</a:t>
+            </a:r>
+            <a:endParaRPr lang="zh-CN" altLang="zh-CN" dirty="0"/>
+          </a:p>
+          <a:p>
+            <a:r>
+              <a:rPr lang="en-US" altLang="zh-CN" b="1" dirty="0"/>
+              <a:t> </a:t>
+            </a:r>
+            <a:endParaRPr lang="zh-CN" altLang="zh-CN" dirty="0"/>
+          </a:p>
+          <a:p>
+            <a:r>
+              <a:rPr lang="zh-CN" altLang="zh-CN" b="1" dirty="0"/>
+              <a:t>安全性需求：</a:t>
+            </a:r>
+            <a:endParaRPr lang="zh-CN" altLang="zh-CN" dirty="0"/>
+          </a:p>
+          <a:p>
+            <a:r>
+              <a:rPr lang="en-US" altLang="zh-CN" b="1" dirty="0"/>
+              <a:t> </a:t>
+            </a:r>
+            <a:endParaRPr lang="zh-CN" altLang="zh-CN" dirty="0"/>
+          </a:p>
+          <a:p>
+            <a:r>
+              <a:rPr lang="zh-CN" altLang="zh-CN" dirty="0"/>
+              <a:t>仅仅只能够做到简单的账号密码的安全检验，其他的相关要求只能够和教师用户杨枨老师确认之后才能够继续深化；</a:t>
+            </a:r>
+          </a:p>
+          <a:p>
+            <a:r>
+              <a:rPr lang="en-US" altLang="zh-CN" b="1" dirty="0"/>
+              <a:t> </a:t>
+            </a:r>
+            <a:endParaRPr lang="zh-CN" altLang="zh-CN" dirty="0"/>
+          </a:p>
+        </p:txBody>
+      </p:sp>
+    </p:spTree>
+    <p:custDataLst>
+      <p:tags r:id="rId1"/>
+    </p:custDataLst>
+    <p:extLst>
+      <p:ext uri="{BB962C8B-B14F-4D97-AF65-F5344CB8AC3E}">
+        <p14:creationId xmlns:p14="http://schemas.microsoft.com/office/powerpoint/2010/main" val="55595584"/>
+      </p:ext>
+    </p:extLst>
+  </p:cSld>
+  <p:clrMapOvr>
+    <a:masterClrMapping/>
+  </p:clrMapOvr>
+  <p:transition spd="slow">
+    <p:fade/>
+  </p:transition>
+  <p:timing>
+    <p:tnLst>
+      <p:par>
+        <p:cTn id="1" dur="indefinite" restart="never" nodeType="tmRoot"/>
+      </p:par>
+    </p:tnLst>
+  </p:timing>
+</p:sld>
+</file>
+
+<file path=ppt/slides/slide21.xml><?xml version="1.0" encoding="utf-8"?>
+<p:sld xmlns:a="http://schemas.openxmlformats.org/drawingml/2006/main" xmlns:r="http://schemas.openxmlformats.org/officeDocument/2006/relationships" xmlns:p="http://schemas.openxmlformats.org/presentationml/2006/main">
+  <p:cSld>
+    <p:spTree>
+      <p:nvGrpSpPr>
+        <p:cNvPr id="1" name=""/>
+        <p:cNvGrpSpPr/>
+        <p:nvPr/>
+      </p:nvGrpSpPr>
+      <p:grpSpPr>
+        <a:xfrm>
+          <a:off x="0" y="0"/>
+          <a:ext cx="0" cy="0"/>
+          <a:chOff x="0" y="0"/>
+          <a:chExt cx="0" cy="0"/>
+        </a:xfrm>
+      </p:grpSpPr>
+      <p:sp>
+        <p:nvSpPr>
+          <p:cNvPr id="2" name="矩形 1"/>
+          <p:cNvSpPr/>
+          <p:nvPr>
+            <p:custDataLst>
+              <p:tags r:id="rId2"/>
+            </p:custDataLst>
+          </p:nvPr>
+        </p:nvSpPr>
+        <p:spPr>
+          <a:xfrm>
+            <a:off x="0" y="34290"/>
+            <a:ext cx="9144000" cy="1317121"/>
+          </a:xfrm>
+          <a:prstGeom prst="rect">
+            <a:avLst/>
+          </a:prstGeom>
+          <a:solidFill>
+            <a:srgbClr val="E7E6E6">
+              <a:lumMod val="25000"/>
+            </a:srgbClr>
+          </a:solidFill>
+          <a:ln>
+            <a:noFill/>
+          </a:ln>
+        </p:spPr>
+        <p:style>
+          <a:lnRef idx="2">
+            <a:srgbClr val="5B9BD5">
+              <a:shade val="50000"/>
+            </a:srgbClr>
+          </a:lnRef>
+          <a:fillRef idx="1">
+            <a:srgbClr val="5B9BD5"/>
+          </a:fillRef>
+          <a:effectRef idx="0">
+            <a:srgbClr val="5B9BD5"/>
+          </a:effectRef>
+          <a:fontRef idx="minor">
+            <a:sysClr val="window" lastClr="FFFFFF"/>
+          </a:fontRef>
+        </p:style>
+        <p:txBody>
+          <a:bodyPr rtlCol="0" anchor="ctr"/>
+          <a:lstStyle/>
+          <a:p>
+            <a:pPr algn="ctr"/>
+            <a:endParaRPr lang="zh-CN" altLang="en-US" sz="1350">
+              <a:latin typeface="微软雅黑" panose="020B0503020204020204" charset="-122"/>
+              <a:ea typeface="微软雅黑" panose="020B0503020204020204" charset="-122"/>
+            </a:endParaRPr>
+          </a:p>
+        </p:txBody>
+      </p:sp>
+      <p:sp>
+        <p:nvSpPr>
+          <p:cNvPr id="4" name="标题 1"/>
+          <p:cNvSpPr>
+            <a:spLocks noGrp="1"/>
+          </p:cNvSpPr>
+          <p:nvPr>
+            <p:custDataLst>
+              <p:tags r:id="rId3"/>
+            </p:custDataLst>
+          </p:nvPr>
+        </p:nvSpPr>
+        <p:spPr>
+          <a:xfrm>
+            <a:off x="467544" y="496650"/>
+            <a:ext cx="8342447" cy="484078"/>
+          </a:xfrm>
+          <a:prstGeom prst="rect">
+            <a:avLst/>
+          </a:prstGeom>
+        </p:spPr>
+        <p:txBody>
+          <a:bodyPr vert="horz" lIns="101600" tIns="38100" rIns="76200" bIns="38100" rtlCol="0" anchor="t" anchorCtr="0">
+            <a:noAutofit/>
+          </a:bodyPr>
+          <a:lstStyle>
+            <a:lvl1pPr algn="l" defTabSz="914400" rtl="0" eaLnBrk="1" fontAlgn="auto" latinLnBrk="0" hangingPunct="1">
+              <a:lnSpc>
+                <a:spcPct val="100000"/>
+              </a:lnSpc>
+              <a:spcBef>
+                <a:spcPct val="0"/>
+              </a:spcBef>
+              <a:buNone/>
+              <a:defRPr sz="2400" b="1" u="none" strike="noStrike" kern="1200" cap="none" spc="200" normalizeH="0">
+                <a:solidFill>
+                  <a:sysClr val="windowText" lastClr="000000"/>
+                </a:solidFill>
+                <a:uFillTx/>
+                <a:latin typeface="微软雅黑" panose="020B0503020204020204" charset="-122"/>
+                <a:ea typeface="微软雅黑" panose="020B0503020204020204" charset="-122"/>
+                <a:cs typeface="+mn-ea"/>
+              </a:defRPr>
+            </a:lvl1pPr>
+          </a:lstStyle>
+          <a:p>
+            <a:pPr marL="0" indent="0" algn="l">
+              <a:lnSpc>
+                <a:spcPct val="100000"/>
+              </a:lnSpc>
+              <a:spcBef>
+                <a:spcPts val="0"/>
+              </a:spcBef>
+              <a:spcAft>
+                <a:spcPts val="0"/>
+              </a:spcAft>
+              <a:buSzPct val="100000"/>
+            </a:pPr>
+            <a:r>
+              <a:rPr lang="en-US" altLang="zh-CN" spc="300" dirty="0" smtClean="0">
+                <a:solidFill>
+                  <a:sysClr val="window" lastClr="FFFFFF"/>
+                </a:solidFill>
+              </a:rPr>
+              <a:t>5</a:t>
+            </a:r>
+            <a:r>
+              <a:rPr lang="en-US" altLang="zh-CN" spc="300" dirty="0" smtClean="0">
+                <a:solidFill>
+                  <a:sysClr val="window" lastClr="FFFFFF"/>
+                </a:solidFill>
+                <a:uFillTx/>
+                <a:latin typeface="微软雅黑" panose="020B0503020204020204" charset="-122"/>
+                <a:ea typeface="微软雅黑" panose="020B0503020204020204" charset="-122"/>
+              </a:rPr>
+              <a:t>.</a:t>
+            </a:r>
+            <a:r>
+              <a:rPr lang="zh-CN" altLang="en-US" spc="300" dirty="0" smtClean="0">
+                <a:solidFill>
+                  <a:sysClr val="window" lastClr="FFFFFF"/>
+                </a:solidFill>
+              </a:rPr>
+              <a:t>需求</a:t>
+            </a:r>
+            <a:r>
+              <a:rPr lang="en-US" altLang="zh-CN" spc="300" dirty="0" smtClean="0">
+                <a:solidFill>
+                  <a:sysClr val="window" lastClr="FFFFFF"/>
+                </a:solidFill>
+              </a:rPr>
+              <a:t>SRS</a:t>
+            </a:r>
+            <a:endParaRPr lang="zh-CN" altLang="en-US" dirty="0">
+              <a:solidFill>
+                <a:schemeClr val="bg1"/>
+              </a:solidFill>
+              <a:sym typeface="+mn-ea"/>
+            </a:endParaRPr>
+          </a:p>
+        </p:txBody>
+      </p:sp>
+      <p:sp>
+        <p:nvSpPr>
+          <p:cNvPr id="7" name="文本框 6"/>
+          <p:cNvSpPr txBox="1"/>
+          <p:nvPr>
+            <p:custDataLst>
+              <p:tags r:id="rId4"/>
+            </p:custDataLst>
+          </p:nvPr>
+        </p:nvSpPr>
+        <p:spPr>
+          <a:xfrm>
+            <a:off x="323528" y="1334689"/>
+            <a:ext cx="3080780" cy="710952"/>
+          </a:xfrm>
+          <a:prstGeom prst="rect">
+            <a:avLst/>
+          </a:prstGeom>
+          <a:noFill/>
+        </p:spPr>
+        <p:txBody>
+          <a:bodyPr vert="horz" lIns="67500" tIns="35100" rIns="67500" bIns="35100" rtlCol="0" anchor="ctr">
+            <a:noAutofit/>
+          </a:bodyPr>
+          <a:lstStyle>
+            <a:lvl1pPr marL="285750" indent="-285750" fontAlgn="auto">
+              <a:lnSpc>
+                <a:spcPct val="130000"/>
+              </a:lnSpc>
+              <a:spcBef>
+                <a:spcPts val="0"/>
+              </a:spcBef>
+              <a:spcAft>
+                <a:spcPts val="800"/>
+              </a:spcAft>
+              <a:buFont typeface="微软雅黑" panose="020B0503020204020204" charset="-122"/>
+              <a:buAutoNum type="ea1JpnChsDbPeriod"/>
+              <a:defRPr sz="1050" u="none" strike="noStrike" cap="none" spc="150" normalizeH="0" baseline="0">
+                <a:solidFill>
+                  <a:sysClr val="windowText" lastClr="000000">
+                    <a:lumMod val="95000"/>
+                    <a:lumOff val="5000"/>
+                  </a:sysClr>
+                </a:solidFill>
+                <a:uFillTx/>
+                <a:latin typeface="微软雅黑" panose="020B0503020204020204" charset="-122"/>
+                <a:ea typeface="微软雅黑" panose="020B0503020204020204" charset="-122"/>
+              </a:defRPr>
+            </a:lvl1pPr>
+            <a:lvl2pPr marL="685800" indent="-228600" fontAlgn="auto">
+              <a:lnSpc>
+                <a:spcPct val="130000"/>
+              </a:lnSpc>
+              <a:spcBef>
+                <a:spcPts val="0"/>
+              </a:spcBef>
+              <a:spcAft>
+                <a:spcPts val="1000"/>
+              </a:spcAft>
+              <a:buFont typeface="Arial" panose="020B0604020202020204" pitchFamily="34" charset="0"/>
+              <a:buChar char="•"/>
+              <a:tabLst>
+                <a:tab pos="1609725" algn="l"/>
+              </a:tabLst>
+              <a:defRPr sz="1600" u="none" strike="noStrike" cap="none" spc="150" normalizeH="0" baseline="0">
+                <a:uFillTx/>
+                <a:latin typeface="Arial" panose="020B0604020202020204" pitchFamily="34" charset="0"/>
+                <a:ea typeface="微软雅黑" panose="020B0503020204020204" charset="-122"/>
+              </a:defRPr>
+            </a:lvl2pPr>
+            <a:lvl3pPr marL="1143000" indent="-228600" fontAlgn="auto">
+              <a:lnSpc>
+                <a:spcPct val="130000"/>
+              </a:lnSpc>
+              <a:spcBef>
+                <a:spcPts val="0"/>
+              </a:spcBef>
+              <a:spcAft>
+                <a:spcPts val="1000"/>
+              </a:spcAft>
+              <a:buFont typeface="Arial" panose="020B0604020202020204" pitchFamily="34" charset="0"/>
+              <a:buChar char="•"/>
+              <a:defRPr sz="1600" u="none" strike="noStrike" cap="none" spc="150" normalizeH="0" baseline="0">
+                <a:uFillTx/>
+                <a:latin typeface="Arial" panose="020B0604020202020204" pitchFamily="34" charset="0"/>
+                <a:ea typeface="微软雅黑" panose="020B0503020204020204" charset="-122"/>
+              </a:defRPr>
+            </a:lvl3pPr>
+            <a:lvl4pPr marL="1600200" indent="-228600" fontAlgn="auto">
+              <a:lnSpc>
+                <a:spcPct val="130000"/>
+              </a:lnSpc>
+              <a:spcBef>
+                <a:spcPts val="0"/>
+              </a:spcBef>
+              <a:spcAft>
+                <a:spcPts val="1000"/>
+              </a:spcAft>
+              <a:buFont typeface="Arial" panose="020B0604020202020204" pitchFamily="34" charset="0"/>
+              <a:buChar char="•"/>
+              <a:defRPr sz="1600" u="none" strike="noStrike" cap="none" spc="150" normalizeH="0" baseline="0">
+                <a:uFillTx/>
+                <a:latin typeface="Arial" panose="020B0604020202020204" pitchFamily="34" charset="0"/>
+                <a:ea typeface="微软雅黑" panose="020B0503020204020204" charset="-122"/>
+              </a:defRPr>
+            </a:lvl4pPr>
+            <a:lvl5pPr marL="2057400" indent="-228600" fontAlgn="auto">
+              <a:lnSpc>
+                <a:spcPct val="130000"/>
+              </a:lnSpc>
+              <a:spcBef>
+                <a:spcPts val="0"/>
+              </a:spcBef>
+              <a:spcAft>
+                <a:spcPts val="1000"/>
+              </a:spcAft>
+              <a:buFont typeface="Arial" panose="020B0604020202020204" pitchFamily="34" charset="0"/>
+              <a:buChar char="•"/>
+              <a:defRPr sz="1600" u="none" strike="noStrike" cap="none" spc="150" normalizeH="0" baseline="0">
+                <a:uFillTx/>
+                <a:latin typeface="Arial" panose="020B0604020202020204" pitchFamily="34" charset="0"/>
+                <a:ea typeface="微软雅黑" panose="020B0503020204020204" charset="-122"/>
+              </a:defRPr>
+            </a:lvl5pPr>
+            <a:lvl6pPr marL="2514600" indent="-228600">
+              <a:lnSpc>
+                <a:spcPct val="90000"/>
+              </a:lnSpc>
+              <a:spcBef>
+                <a:spcPts val="500"/>
+              </a:spcBef>
+              <a:buFont typeface="Arial" panose="020B0604020202020204" pitchFamily="34" charset="0"/>
+              <a:buChar char="•"/>
+            </a:lvl6pPr>
+            <a:lvl7pPr marL="2971800" indent="-228600">
+              <a:lnSpc>
+                <a:spcPct val="90000"/>
+              </a:lnSpc>
+              <a:spcBef>
+                <a:spcPts val="500"/>
+              </a:spcBef>
+              <a:buFont typeface="Arial" panose="020B0604020202020204" pitchFamily="34" charset="0"/>
+              <a:buChar char="•"/>
+            </a:lvl7pPr>
+            <a:lvl8pPr marL="3429000" indent="-228600">
+              <a:lnSpc>
+                <a:spcPct val="90000"/>
+              </a:lnSpc>
+              <a:spcBef>
+                <a:spcPts val="500"/>
+              </a:spcBef>
+              <a:buFont typeface="Arial" panose="020B0604020202020204" pitchFamily="34" charset="0"/>
+              <a:buChar char="•"/>
+            </a:lvl8pPr>
+            <a:lvl9pPr marL="3886200" indent="-228600">
+              <a:lnSpc>
+                <a:spcPct val="90000"/>
+              </a:lnSpc>
+              <a:spcBef>
+                <a:spcPts val="500"/>
+              </a:spcBef>
+              <a:buFont typeface="Arial" panose="020B0604020202020204" pitchFamily="34" charset="0"/>
+              <a:buChar char="•"/>
+            </a:lvl9pPr>
+          </a:lstStyle>
+          <a:p>
+            <a:pPr>
+              <a:lnSpc>
+                <a:spcPts val="3200"/>
+              </a:lnSpc>
+              <a:buSzPct val="70000"/>
+              <a:buFont typeface="Wingdings" panose="05000000000000000000" pitchFamily="2" charset="2"/>
+              <a:buChar char="l"/>
+              <a:defRPr/>
+            </a:pPr>
+            <a:r>
+              <a:rPr lang="zh-CN" altLang="en-US" sz="2000" b="1" dirty="0" smtClean="0">
+                <a:latin typeface="+mn-ea"/>
+              </a:rPr>
+              <a:t>非功能性需求</a:t>
+            </a:r>
+            <a:endParaRPr lang="zh-CN" altLang="en-US" sz="1100" dirty="0">
+              <a:uFillTx/>
+            </a:endParaRPr>
+          </a:p>
+        </p:txBody>
+      </p:sp>
+      <p:sp>
+        <p:nvSpPr>
+          <p:cNvPr id="3" name="矩形 2"/>
+          <p:cNvSpPr/>
+          <p:nvPr/>
+        </p:nvSpPr>
+        <p:spPr>
+          <a:xfrm>
+            <a:off x="477670" y="1993541"/>
             <a:ext cx="7920880" cy="4801314"/>
           </a:xfrm>
           <a:prstGeom prst="rect">
@@ -20617,7 +21125,7 @@
 </p:sld>
 </file>
 
-<file path=ppt/slides/slide21.xml><?xml version="1.0" encoding="utf-8"?>
+<file path=ppt/slides/slide22.xml><?xml version="1.0" encoding="utf-8"?>
 <p:sld xmlns:a="http://schemas.openxmlformats.org/drawingml/2006/main" xmlns:r="http://schemas.openxmlformats.org/officeDocument/2006/relationships" xmlns:p="http://schemas.openxmlformats.org/presentationml/2006/main">
   <p:cSld>
     <p:spTree>
@@ -20965,7 +21473,7 @@
 </p:sld>
 </file>
 
-<file path=ppt/slides/slide22.xml><?xml version="1.0" encoding="utf-8"?>
+<file path=ppt/slides/slide23.xml><?xml version="1.0" encoding="utf-8"?>
 <p:sld xmlns:a="http://schemas.openxmlformats.org/drawingml/2006/main" xmlns:r="http://schemas.openxmlformats.org/officeDocument/2006/relationships" xmlns:p="http://schemas.openxmlformats.org/presentationml/2006/main">
   <p:cSld>
     <p:spTree>
@@ -21527,7 +22035,7 @@
 </p:sld>
 </file>
 
-<file path=ppt/slides/slide23.xml><?xml version="1.0" encoding="utf-8"?>
+<file path=ppt/slides/slide24.xml><?xml version="1.0" encoding="utf-8"?>
 <p:sld xmlns:a="http://schemas.openxmlformats.org/drawingml/2006/main" xmlns:r="http://schemas.openxmlformats.org/officeDocument/2006/relationships" xmlns:p="http://schemas.openxmlformats.org/presentationml/2006/main">
   <p:cSld>
     <p:spTree>
@@ -21927,7 +22435,7 @@
 </p:sld>
 </file>
 
-<file path=ppt/slides/slide24.xml><?xml version="1.0" encoding="utf-8"?>
+<file path=ppt/slides/slide25.xml><?xml version="1.0" encoding="utf-8"?>
 <p:sld xmlns:a="http://schemas.openxmlformats.org/drawingml/2006/main" xmlns:r="http://schemas.openxmlformats.org/officeDocument/2006/relationships" xmlns:p="http://schemas.openxmlformats.org/presentationml/2006/main">
   <p:cSld>
     <p:spTree>
@@ -22011,7 +22519,7 @@
 </p:sld>
 </file>
 
-<file path=ppt/slides/slide25.xml><?xml version="1.0" encoding="utf-8"?>
+<file path=ppt/slides/slide26.xml><?xml version="1.0" encoding="utf-8"?>
 <p:sld xmlns:a="http://schemas.openxmlformats.org/drawingml/2006/main" xmlns:r="http://schemas.openxmlformats.org/officeDocument/2006/relationships" xmlns:p="http://schemas.openxmlformats.org/presentationml/2006/main">
   <p:cSld>
     <p:spTree>
@@ -22648,31 +23156,7 @@
                 </a:solidFill>
                 <a:latin typeface="Arial" panose="020B0604020202020204" pitchFamily="34" charset="0"/>
               </a:rPr>
-              <a:t>：</a:t>
-            </a:r>
-            <a:r>
-              <a:rPr lang="en-US" altLang="zh-CN" sz="1800" b="1" dirty="0" smtClean="0">
-                <a:solidFill>
-                  <a:srgbClr val="000000">
-                    <a:lumMod val="75000"/>
-                    <a:lumOff val="25000"/>
-                  </a:srgbClr>
-                </a:solidFill>
-                <a:latin typeface="Arial" panose="020B0604020202020204" pitchFamily="34" charset="0"/>
-              </a:rPr>
-              <a:t>PPT</a:t>
-            </a:r>
-            <a:r>
-              <a:rPr lang="zh-CN" altLang="en-US" sz="1800" b="1" dirty="0">
-                <a:solidFill>
-                  <a:srgbClr val="000000">
-                    <a:lumMod val="75000"/>
-                    <a:lumOff val="25000"/>
-                  </a:srgbClr>
-                </a:solidFill>
-                <a:latin typeface="Arial" panose="020B0604020202020204" pitchFamily="34" charset="0"/>
-              </a:rPr>
-              <a:t>演</a:t>
+              <a:t>：部</a:t>
             </a:r>
             <a:r>
               <a:rPr lang="zh-CN" altLang="en-US" sz="1800" b="1" dirty="0" smtClean="0">
@@ -22684,19 +23168,7 @@
                 </a:solidFill>
                 <a:latin typeface="Arial" panose="020B0604020202020204" pitchFamily="34" charset="0"/>
               </a:rPr>
-              <a:t>讲以</a:t>
-            </a:r>
-            <a:r>
-              <a:rPr lang="zh-CN" altLang="en-US" sz="1800" b="1" dirty="0" smtClean="0">
-                <a:solidFill>
-                  <a:srgbClr val="000000">
-                    <a:lumMod val="75000"/>
-                    <a:lumOff val="25000"/>
-                  </a:srgbClr>
-                </a:solidFill>
-                <a:latin typeface="Arial" panose="020B0604020202020204" pitchFamily="34" charset="0"/>
-              </a:rPr>
-              <a:t>及部分界面原型绘制制</a:t>
+              <a:t>分界面原型绘制制</a:t>
             </a:r>
             <a:r>
               <a:rPr lang="zh-CN" altLang="en-US" sz="1800" b="1" dirty="0">
@@ -22774,7 +23246,7 @@
 </p:sld>
 </file>
 
-<file path=ppt/slides/slide26.xml><?xml version="1.0" encoding="utf-8"?>
+<file path=ppt/slides/slide27.xml><?xml version="1.0" encoding="utf-8"?>
 <p:sld xmlns:a="http://schemas.openxmlformats.org/drawingml/2006/main" xmlns:r="http://schemas.openxmlformats.org/officeDocument/2006/relationships" xmlns:p="http://schemas.openxmlformats.org/presentationml/2006/main">
   <p:cSld>
     <p:spTree>
@@ -23273,7 +23745,6 @@
               <a:rPr lang="en-US" altLang="zh-CN" sz="2400" b="1" dirty="0" smtClean="0"/>
               <a:t>SRS</a:t>
             </a:r>
-            <a:endParaRPr lang="en-US" altLang="zh-CN" sz="2400" b="1" dirty="0" smtClean="0"/>
           </a:p>
           <a:p>
             <a:r>
@@ -29290,13 +29761,33 @@
 
 <file path=ppt/tags/tag240.xml><?xml version="1.0" encoding="utf-8"?>
 <p:tagLst xmlns:a="http://schemas.openxmlformats.org/drawingml/2006/main" xmlns:r="http://schemas.openxmlformats.org/officeDocument/2006/relationships" xmlns:p="http://schemas.openxmlformats.org/presentationml/2006/main">
+  <p:tag name="KSO_WM_UNIT_HIGHLIGHT" val="0"/>
+  <p:tag name="KSO_WM_UNIT_COMPATIBLE" val="0"/>
+  <p:tag name="KSO_WM_UNIT_DIAGRAM_ISNUMVISUAL" val="0"/>
+  <p:tag name="KSO_WM_UNIT_DIAGRAM_ISREFERUNIT" val="0"/>
+  <p:tag name="KSO_WM_UNIT_ID" val="diagram20200773_1*f*1"/>
+  <p:tag name="KSO_WM_TEMPLATE_CATEGORY" val="diagram"/>
+  <p:tag name="KSO_WM_TEMPLATE_INDEX" val="20200773"/>
+  <p:tag name="KSO_WM_UNIT_LAYERLEVEL" val="1"/>
+  <p:tag name="KSO_WM_TAG_VERSION" val="1.0"/>
+  <p:tag name="KSO_WM_BEAUTIFY_FLAG" val="#wm#"/>
+  <p:tag name="KSO_WM_UNIT_PRESET_TEXT" val="单击此处添加文本具体内容，简明扼要的阐述您的观点。根据需要可酌情增减文字，以便观者准确的理解您传达的思想。单击此处添加文本具体内容，简明扼要的阐述您的观点。根据需要可酌情增减文字，以便观者准确的理解您传达的思想。单击此处添加文本具体内容，简明扼要的阐述您的观点。根据需要可酌情增减文字，以便观者准确的理解您传达的思想。&#10;单击此处添加文本具体内容，简明扼要的阐述您的观点。根据需要可酌情增减文字，以便观者准确的理解您传达的思想。&#10;单击此处添加文本具体内容，简明扼要的阐述您的观点。&#10;单击此处添加文本具体内容，简明扼要的阐述您的观点。&#10;单击此处添加文本具体内容，简明扼要的阐述您的观点。&#10;单击此处添加文本具体内容，简明扼要的阐述您的观点。根据需要可酌情增减文字，以便观者准确的理解您传达的思想。单击此处添加文本具体内容，简明扼要的阐述您的观点。根据需要可酌情增减文字，以便观者准确的理解您传达的思想。单击此处添加文本具体内容，简明扼要的阐述您的观点。根据需要可酌情增减文字，以便观者准确的理解您传达的思想。单击此处添加文本具体内容，简明扼要的阐述您的观点。&#10;单击此处添加文本具体内容，简明扼要的阐述您的观点。根据需要可酌情增减文字，以便观者准确的理解您传达的思想。单击此处添加文本具体内容，简明扼要的阐述您的观点。根据需要可酌情增减文字，以便观者准确的理解您传达的思想。&#10;单击此处添加文本具体内容，简明扼要的阐述您的观点。根据需要可酌情增减文字，以便观者准确的理解您传达的思想。单击此处添加文本具体内容，简明扼要的阐述您的观点。根据需要可酌情增减文字，以便观者准确的理解您传达的思想。单击此处添加文本具体内容，简明扼要的阐述您的观点。根据需要可酌情增减文字，以便观者准确的理解您传达的思想。&#10;单击此处添加文本具体内容。"/>
+  <p:tag name="KSO_WM_UNIT_NOCLEAR" val="0"/>
+  <p:tag name="KSO_WM_UNIT_VALUE" val="1680"/>
+  <p:tag name="KSO_WM_UNIT_TYPE" val="f"/>
+  <p:tag name="KSO_WM_UNIT_INDEX" val="1"/>
+</p:tagLst>
+</file>
+
+<file path=ppt/tags/tag241.xml><?xml version="1.0" encoding="utf-8"?>
+<p:tagLst xmlns:a="http://schemas.openxmlformats.org/drawingml/2006/main" xmlns:r="http://schemas.openxmlformats.org/officeDocument/2006/relationships" xmlns:p="http://schemas.openxmlformats.org/presentationml/2006/main">
   <p:tag name="KSO_WM_BEAUTIFY_FLAG" val="#wm#"/>
   <p:tag name="KSO_WM_TEMPLATE_CATEGORY" val="diagram"/>
   <p:tag name="KSO_WM_TEMPLATE_INDEX" val="20200773"/>
 </p:tagLst>
 </file>
 
-<file path=ppt/tags/tag241.xml><?xml version="1.0" encoding="utf-8"?>
+<file path=ppt/tags/tag242.xml><?xml version="1.0" encoding="utf-8"?>
 <p:tagLst xmlns:a="http://schemas.openxmlformats.org/drawingml/2006/main" xmlns:r="http://schemas.openxmlformats.org/officeDocument/2006/relationships" xmlns:p="http://schemas.openxmlformats.org/presentationml/2006/main">
   <p:tag name="KSO_WM_UNIT_HIGHLIGHT" val="0"/>
   <p:tag name="KSO_WM_UNIT_COMPATIBLE" val="0"/>
@@ -29313,7 +29804,7 @@
 </p:tagLst>
 </file>
 
-<file path=ppt/tags/tag242.xml><?xml version="1.0" encoding="utf-8"?>
+<file path=ppt/tags/tag243.xml><?xml version="1.0" encoding="utf-8"?>
 <p:tagLst xmlns:a="http://schemas.openxmlformats.org/drawingml/2006/main" xmlns:r="http://schemas.openxmlformats.org/officeDocument/2006/relationships" xmlns:p="http://schemas.openxmlformats.org/presentationml/2006/main">
   <p:tag name="KSO_WM_UNIT_HIGHLIGHT" val="0"/>
   <p:tag name="KSO_WM_UNIT_COMPATIBLE" val="0"/>
@@ -29334,43 +29825,11 @@
 </p:tagLst>
 </file>
 
-<file path=ppt/tags/tag243.xml><?xml version="1.0" encoding="utf-8"?>
-<p:tagLst xmlns:a="http://schemas.openxmlformats.org/drawingml/2006/main" xmlns:r="http://schemas.openxmlformats.org/officeDocument/2006/relationships" xmlns:p="http://schemas.openxmlformats.org/presentationml/2006/main">
-  <p:tag name="KSO_WM_UNIT_HIGHLIGHT" val="0"/>
-  <p:tag name="KSO_WM_UNIT_COMPATIBLE" val="0"/>
-  <p:tag name="KSO_WM_UNIT_DIAGRAM_ISNUMVISUAL" val="0"/>
-  <p:tag name="KSO_WM_UNIT_DIAGRAM_ISREFERUNIT" val="0"/>
-  <p:tag name="KSO_WM_UNIT_ID" val="diagram20200773_1*f*1"/>
-  <p:tag name="KSO_WM_TEMPLATE_CATEGORY" val="diagram"/>
-  <p:tag name="KSO_WM_TEMPLATE_INDEX" val="20200773"/>
-  <p:tag name="KSO_WM_UNIT_LAYERLEVEL" val="1"/>
-  <p:tag name="KSO_WM_TAG_VERSION" val="1.0"/>
-  <p:tag name="KSO_WM_BEAUTIFY_FLAG" val="#wm#"/>
-  <p:tag name="KSO_WM_UNIT_PRESET_TEXT" val="单击此处添加文本具体内容，简明扼要的阐述您的观点。根据需要可酌情增减文字，以便观者准确的理解您传达的思想。单击此处添加文本具体内容，简明扼要的阐述您的观点。根据需要可酌情增减文字，以便观者准确的理解您传达的思想。单击此处添加文本具体内容，简明扼要的阐述您的观点。根据需要可酌情增减文字，以便观者准确的理解您传达的思想。&#10;单击此处添加文本具体内容，简明扼要的阐述您的观点。根据需要可酌情增减文字，以便观者准确的理解您传达的思想。&#10;单击此处添加文本具体内容，简明扼要的阐述您的观点。&#10;单击此处添加文本具体内容，简明扼要的阐述您的观点。&#10;单击此处添加文本具体内容，简明扼要的阐述您的观点。&#10;单击此处添加文本具体内容，简明扼要的阐述您的观点。根据需要可酌情增减文字，以便观者准确的理解您传达的思想。单击此处添加文本具体内容，简明扼要的阐述您的观点。根据需要可酌情增减文字，以便观者准确的理解您传达的思想。单击此处添加文本具体内容，简明扼要的阐述您的观点。根据需要可酌情增减文字，以便观者准确的理解您传达的思想。单击此处添加文本具体内容，简明扼要的阐述您的观点。&#10;单击此处添加文本具体内容，简明扼要的阐述您的观点。根据需要可酌情增减文字，以便观者准确的理解您传达的思想。单击此处添加文本具体内容，简明扼要的阐述您的观点。根据需要可酌情增减文字，以便观者准确的理解您传达的思想。&#10;单击此处添加文本具体内容，简明扼要的阐述您的观点。根据需要可酌情增减文字，以便观者准确的理解您传达的思想。单击此处添加文本具体内容，简明扼要的阐述您的观点。根据需要可酌情增减文字，以便观者准确的理解您传达的思想。单击此处添加文本具体内容，简明扼要的阐述您的观点。根据需要可酌情增减文字，以便观者准确的理解您传达的思想。&#10;单击此处添加文本具体内容。"/>
-  <p:tag name="KSO_WM_UNIT_NOCLEAR" val="0"/>
-  <p:tag name="KSO_WM_UNIT_VALUE" val="1680"/>
-  <p:tag name="KSO_WM_UNIT_TYPE" val="f"/>
-  <p:tag name="KSO_WM_UNIT_INDEX" val="1"/>
-</p:tagLst>
-</file>
-
 <file path=ppt/tags/tag244.xml><?xml version="1.0" encoding="utf-8"?>
 <p:tagLst xmlns:a="http://schemas.openxmlformats.org/drawingml/2006/main" xmlns:r="http://schemas.openxmlformats.org/officeDocument/2006/relationships" xmlns:p="http://schemas.openxmlformats.org/presentationml/2006/main">
-  <p:tag name="KSO_WM_SLIDE_ID" val="diagram20200773_1"/>
-  <p:tag name="KSO_WM_SLIDE_ITEM_CNT" val="0"/>
-  <p:tag name="KSO_WM_SLIDE_INDEX" val="1"/>
-  <p:tag name="KSO_WM_TAG_VERSION" val="1.0"/>
   <p:tag name="KSO_WM_BEAUTIFY_FLAG" val="#wm#"/>
   <p:tag name="KSO_WM_TEMPLATE_CATEGORY" val="diagram"/>
   <p:tag name="KSO_WM_TEMPLATE_INDEX" val="20200773"/>
-  <p:tag name="KSO_WM_SLIDE_LAYOUT" val="a_f"/>
-  <p:tag name="KSO_WM_SLIDE_LAYOUT_CNT" val="1_1"/>
-  <p:tag name="KSO_WM_SLIDE_TYPE" val="text"/>
-  <p:tag name="KSO_WM_SLIDE_SUBTYPE" val="picTxt"/>
-  <p:tag name="KSO_WM_SLIDE_SIZE" val="960*511"/>
-  <p:tag name="KSO_WM_SLIDE_POSITION" val="0*0"/>
-  <p:tag name="KSO_WM_SLIDE_COLORSCHEME_VERSION" val="3.2"/>
-  <p:tag name="KSO_WM_TEMPLATE_SUBCATEGORY" val="0"/>
 </p:tagLst>
 </file>
 
@@ -29434,57 +29893,6 @@
 
 <file path=ppt/tags/tag248.xml><?xml version="1.0" encoding="utf-8"?>
 <p:tagLst xmlns:a="http://schemas.openxmlformats.org/drawingml/2006/main" xmlns:r="http://schemas.openxmlformats.org/officeDocument/2006/relationships" xmlns:p="http://schemas.openxmlformats.org/presentationml/2006/main">
-  <p:tag name="KSO_WM_TAG_VERSION" val="1.0"/>
-  <p:tag name="KSO_WM_SLIDE_ITEM_CNT" val="0"/>
-  <p:tag name="KSO_WM_SLIDE_LAYOUT" val="a_b_e"/>
-  <p:tag name="KSO_WM_SLIDE_LAYOUT_CNT" val="1_1_1"/>
-  <p:tag name="KSO_WM_SLIDE_TYPE" val="sectionTitle"/>
-  <p:tag name="KSO_WM_BEAUTIFY_FLAG" val="#wm#"/>
-  <p:tag name="KSO_WM_SLIDE_SUBTYPE" val="pureTxt"/>
-  <p:tag name="KSO_WM_COMBINE_RELATE_SLIDE_ID" val="background20185112_7"/>
-  <p:tag name="KSO_WM_TEMPLATE_CATEGORY" val="custom"/>
-  <p:tag name="KSO_WM_TEMPLATE_INDEX" val="20189051"/>
-  <p:tag name="KSO_WM_SLIDE_ID" val="custom20189051_7"/>
-  <p:tag name="KSO_WM_SLIDE_INDEX" val="7"/>
-  <p:tag name="KSO_WM_TEMPLATE_SUBCATEGORY" val="0"/>
-</p:tagLst>
-</file>
-
-<file path=ppt/tags/tag249.xml><?xml version="1.0" encoding="utf-8"?>
-<p:tagLst xmlns:a="http://schemas.openxmlformats.org/drawingml/2006/main" xmlns:r="http://schemas.openxmlformats.org/officeDocument/2006/relationships" xmlns:p="http://schemas.openxmlformats.org/presentationml/2006/main">
-  <p:tag name="KSO_WM_TAG_VERSION" val="1.0"/>
-  <p:tag name="KSO_WM_BEAUTIFY_FLAG" val="#wm#"/>
-  <p:tag name="KSO_WM_UNIT_TYPE" val="e"/>
-  <p:tag name="KSO_WM_UNIT_INDEX" val="1"/>
-  <p:tag name="KSO_WM_UNIT_LAYERLEVEL" val="1"/>
-  <p:tag name="KSO_WM_UNIT_VALUE" val="2"/>
-  <p:tag name="KSO_WM_UNIT_HIGHLIGHT" val="0"/>
-  <p:tag name="KSO_WM_UNIT_COMPATIBLE" val="1"/>
-  <p:tag name="KSO_WM_UNIT_PRESET_TEXT" val="01"/>
-  <p:tag name="KSO_WM_TEMPLATE_CATEGORY" val="custom"/>
-  <p:tag name="KSO_WM_TEMPLATE_INDEX" val="20189051"/>
-  <p:tag name="KSO_WM_UNIT_ID" val="custom20189051_7*e*1"/>
-  <p:tag name="KSO_WM_UNIT_NOCLEAR" val="0"/>
-  <p:tag name="KSO_WM_UNIT_DIAGRAM_ISNUMVISUAL" val="0"/>
-  <p:tag name="KSO_WM_UNIT_DIAGRAM_ISREFERUNIT" val="0"/>
-</p:tagLst>
-</file>
-
-<file path=ppt/tags/tag25.xml><?xml version="1.0" encoding="utf-8"?>
-<p:tagLst xmlns:a="http://schemas.openxmlformats.org/drawingml/2006/main" xmlns:r="http://schemas.openxmlformats.org/officeDocument/2006/relationships" xmlns:p="http://schemas.openxmlformats.org/presentationml/2006/main">
-  <p:tag name="KSO_WM_UNIT_HIGHLIGHT" val="0"/>
-  <p:tag name="KSO_WM_UNIT_COMPATIBLE" val="0"/>
-  <p:tag name="KSO_WM_UNIT_DIAGRAM_ISNUMVISUAL" val="0"/>
-  <p:tag name="KSO_WM_UNIT_DIAGRAM_ISREFERUNIT" val="0"/>
-  <p:tag name="KSO_WM_UNIT_ID" val="_2**"/>
-  <p:tag name="KSO_WM_UNIT_LAYERLEVEL" val="1"/>
-  <p:tag name="KSO_WM_TAG_VERSION" val="1.0"/>
-  <p:tag name="KSO_WM_BEAUTIFY_FLAG" val="#wm#"/>
-</p:tagLst>
-</file>
-
-<file path=ppt/tags/tag250.xml><?xml version="1.0" encoding="utf-8"?>
-<p:tagLst xmlns:a="http://schemas.openxmlformats.org/drawingml/2006/main" xmlns:r="http://schemas.openxmlformats.org/officeDocument/2006/relationships" xmlns:p="http://schemas.openxmlformats.org/presentationml/2006/main">
   <p:tag name="KSO_WM_SLIDE_ID" val="diagram20200773_1"/>
   <p:tag name="KSO_WM_SLIDE_ITEM_CNT" val="0"/>
   <p:tag name="KSO_WM_SLIDE_INDEX" val="1"/>
@@ -29503,7 +29911,7 @@
 </p:tagLst>
 </file>
 
-<file path=ppt/tags/tag251.xml><?xml version="1.0" encoding="utf-8"?>
+<file path=ppt/tags/tag249.xml><?xml version="1.0" encoding="utf-8"?>
 <p:tagLst xmlns:a="http://schemas.openxmlformats.org/drawingml/2006/main" xmlns:r="http://schemas.openxmlformats.org/officeDocument/2006/relationships" xmlns:p="http://schemas.openxmlformats.org/presentationml/2006/main">
   <p:tag name="KSO_WM_UNIT_HIGHLIGHT" val="0"/>
   <p:tag name="KSO_WM_UNIT_COMPATIBLE" val="0"/>
@@ -29520,7 +29928,20 @@
 </p:tagLst>
 </file>
 
-<file path=ppt/tags/tag252.xml><?xml version="1.0" encoding="utf-8"?>
+<file path=ppt/tags/tag25.xml><?xml version="1.0" encoding="utf-8"?>
+<p:tagLst xmlns:a="http://schemas.openxmlformats.org/drawingml/2006/main" xmlns:r="http://schemas.openxmlformats.org/officeDocument/2006/relationships" xmlns:p="http://schemas.openxmlformats.org/presentationml/2006/main">
+  <p:tag name="KSO_WM_UNIT_HIGHLIGHT" val="0"/>
+  <p:tag name="KSO_WM_UNIT_COMPATIBLE" val="0"/>
+  <p:tag name="KSO_WM_UNIT_DIAGRAM_ISNUMVISUAL" val="0"/>
+  <p:tag name="KSO_WM_UNIT_DIAGRAM_ISREFERUNIT" val="0"/>
+  <p:tag name="KSO_WM_UNIT_ID" val="_2**"/>
+  <p:tag name="KSO_WM_UNIT_LAYERLEVEL" val="1"/>
+  <p:tag name="KSO_WM_TAG_VERSION" val="1.0"/>
+  <p:tag name="KSO_WM_BEAUTIFY_FLAG" val="#wm#"/>
+</p:tagLst>
+</file>
+
+<file path=ppt/tags/tag250.xml><?xml version="1.0" encoding="utf-8"?>
 <p:tagLst xmlns:a="http://schemas.openxmlformats.org/drawingml/2006/main" xmlns:r="http://schemas.openxmlformats.org/officeDocument/2006/relationships" xmlns:p="http://schemas.openxmlformats.org/presentationml/2006/main">
   <p:tag name="KSO_WM_UNIT_HIGHLIGHT" val="0"/>
   <p:tag name="KSO_WM_UNIT_COMPATIBLE" val="0"/>
@@ -29541,7 +29962,7 @@
 </p:tagLst>
 </file>
 
-<file path=ppt/tags/tag253.xml><?xml version="1.0" encoding="utf-8"?>
+<file path=ppt/tags/tag251.xml><?xml version="1.0" encoding="utf-8"?>
 <p:tagLst xmlns:a="http://schemas.openxmlformats.org/drawingml/2006/main" xmlns:r="http://schemas.openxmlformats.org/officeDocument/2006/relationships" xmlns:p="http://schemas.openxmlformats.org/presentationml/2006/main">
   <p:tag name="KSO_WM_UNIT_HIGHLIGHT" val="0"/>
   <p:tag name="KSO_WM_UNIT_COMPATIBLE" val="0"/>
@@ -29561,7 +29982,123 @@
 </p:tagLst>
 </file>
 
+<file path=ppt/tags/tag252.xml><?xml version="1.0" encoding="utf-8"?>
+<p:tagLst xmlns:a="http://schemas.openxmlformats.org/drawingml/2006/main" xmlns:r="http://schemas.openxmlformats.org/officeDocument/2006/relationships" xmlns:p="http://schemas.openxmlformats.org/presentationml/2006/main">
+  <p:tag name="KSO_WM_TAG_VERSION" val="1.0"/>
+  <p:tag name="KSO_WM_SLIDE_ITEM_CNT" val="0"/>
+  <p:tag name="KSO_WM_SLIDE_LAYOUT" val="a_b_e"/>
+  <p:tag name="KSO_WM_SLIDE_LAYOUT_CNT" val="1_1_1"/>
+  <p:tag name="KSO_WM_SLIDE_TYPE" val="sectionTitle"/>
+  <p:tag name="KSO_WM_BEAUTIFY_FLAG" val="#wm#"/>
+  <p:tag name="KSO_WM_SLIDE_SUBTYPE" val="pureTxt"/>
+  <p:tag name="KSO_WM_COMBINE_RELATE_SLIDE_ID" val="background20185112_7"/>
+  <p:tag name="KSO_WM_TEMPLATE_CATEGORY" val="custom"/>
+  <p:tag name="KSO_WM_TEMPLATE_INDEX" val="20189051"/>
+  <p:tag name="KSO_WM_SLIDE_ID" val="custom20189051_7"/>
+  <p:tag name="KSO_WM_SLIDE_INDEX" val="7"/>
+  <p:tag name="KSO_WM_TEMPLATE_SUBCATEGORY" val="0"/>
+</p:tagLst>
+</file>
+
+<file path=ppt/tags/tag253.xml><?xml version="1.0" encoding="utf-8"?>
+<p:tagLst xmlns:a="http://schemas.openxmlformats.org/drawingml/2006/main" xmlns:r="http://schemas.openxmlformats.org/officeDocument/2006/relationships" xmlns:p="http://schemas.openxmlformats.org/presentationml/2006/main">
+  <p:tag name="KSO_WM_TAG_VERSION" val="1.0"/>
+  <p:tag name="KSO_WM_BEAUTIFY_FLAG" val="#wm#"/>
+  <p:tag name="KSO_WM_UNIT_TYPE" val="e"/>
+  <p:tag name="KSO_WM_UNIT_INDEX" val="1"/>
+  <p:tag name="KSO_WM_UNIT_LAYERLEVEL" val="1"/>
+  <p:tag name="KSO_WM_UNIT_VALUE" val="2"/>
+  <p:tag name="KSO_WM_UNIT_HIGHLIGHT" val="0"/>
+  <p:tag name="KSO_WM_UNIT_COMPATIBLE" val="1"/>
+  <p:tag name="KSO_WM_UNIT_PRESET_TEXT" val="01"/>
+  <p:tag name="KSO_WM_TEMPLATE_CATEGORY" val="custom"/>
+  <p:tag name="KSO_WM_TEMPLATE_INDEX" val="20189051"/>
+  <p:tag name="KSO_WM_UNIT_ID" val="custom20189051_7*e*1"/>
+  <p:tag name="KSO_WM_UNIT_NOCLEAR" val="0"/>
+  <p:tag name="KSO_WM_UNIT_DIAGRAM_ISNUMVISUAL" val="0"/>
+  <p:tag name="KSO_WM_UNIT_DIAGRAM_ISREFERUNIT" val="0"/>
+</p:tagLst>
+</file>
+
 <file path=ppt/tags/tag254.xml><?xml version="1.0" encoding="utf-8"?>
+<p:tagLst xmlns:a="http://schemas.openxmlformats.org/drawingml/2006/main" xmlns:r="http://schemas.openxmlformats.org/officeDocument/2006/relationships" xmlns:p="http://schemas.openxmlformats.org/presentationml/2006/main">
+  <p:tag name="KSO_WM_SLIDE_ID" val="diagram20200773_1"/>
+  <p:tag name="KSO_WM_SLIDE_ITEM_CNT" val="0"/>
+  <p:tag name="KSO_WM_SLIDE_INDEX" val="1"/>
+  <p:tag name="KSO_WM_TAG_VERSION" val="1.0"/>
+  <p:tag name="KSO_WM_BEAUTIFY_FLAG" val="#wm#"/>
+  <p:tag name="KSO_WM_TEMPLATE_CATEGORY" val="diagram"/>
+  <p:tag name="KSO_WM_TEMPLATE_INDEX" val="20200773"/>
+  <p:tag name="KSO_WM_SLIDE_LAYOUT" val="a_f"/>
+  <p:tag name="KSO_WM_SLIDE_LAYOUT_CNT" val="1_1"/>
+  <p:tag name="KSO_WM_SLIDE_TYPE" val="text"/>
+  <p:tag name="KSO_WM_SLIDE_SUBTYPE" val="picTxt"/>
+  <p:tag name="KSO_WM_SLIDE_SIZE" val="960*511"/>
+  <p:tag name="KSO_WM_SLIDE_POSITION" val="0*0"/>
+  <p:tag name="KSO_WM_SLIDE_COLORSCHEME_VERSION" val="3.2"/>
+  <p:tag name="KSO_WM_TEMPLATE_SUBCATEGORY" val="0"/>
+</p:tagLst>
+</file>
+
+<file path=ppt/tags/tag255.xml><?xml version="1.0" encoding="utf-8"?>
+<p:tagLst xmlns:a="http://schemas.openxmlformats.org/drawingml/2006/main" xmlns:r="http://schemas.openxmlformats.org/officeDocument/2006/relationships" xmlns:p="http://schemas.openxmlformats.org/presentationml/2006/main">
+  <p:tag name="KSO_WM_UNIT_HIGHLIGHT" val="0"/>
+  <p:tag name="KSO_WM_UNIT_COMPATIBLE" val="0"/>
+  <p:tag name="KSO_WM_UNIT_DIAGRAM_ISNUMVISUAL" val="0"/>
+  <p:tag name="KSO_WM_UNIT_DIAGRAM_ISREFERUNIT" val="0"/>
+  <p:tag name="KSO_WM_UNIT_ID" val="diagram20200773_1*i*1"/>
+  <p:tag name="KSO_WM_TEMPLATE_CATEGORY" val="diagram"/>
+  <p:tag name="KSO_WM_TEMPLATE_INDEX" val="20200773"/>
+  <p:tag name="KSO_WM_UNIT_LAYERLEVEL" val="1"/>
+  <p:tag name="KSO_WM_TAG_VERSION" val="1.0"/>
+  <p:tag name="KSO_WM_BEAUTIFY_FLAG" val="#wm#"/>
+  <p:tag name="KSO_WM_UNIT_TYPE" val="i"/>
+  <p:tag name="KSO_WM_UNIT_INDEX" val="1"/>
+</p:tagLst>
+</file>
+
+<file path=ppt/tags/tag256.xml><?xml version="1.0" encoding="utf-8"?>
+<p:tagLst xmlns:a="http://schemas.openxmlformats.org/drawingml/2006/main" xmlns:r="http://schemas.openxmlformats.org/officeDocument/2006/relationships" xmlns:p="http://schemas.openxmlformats.org/presentationml/2006/main">
+  <p:tag name="KSO_WM_UNIT_HIGHLIGHT" val="0"/>
+  <p:tag name="KSO_WM_UNIT_COMPATIBLE" val="0"/>
+  <p:tag name="KSO_WM_UNIT_DIAGRAM_ISNUMVISUAL" val="0"/>
+  <p:tag name="KSO_WM_UNIT_DIAGRAM_ISREFERUNIT" val="0"/>
+  <p:tag name="KSO_WM_UNIT_ID" val="diagram20200773_1*a*1"/>
+  <p:tag name="KSO_WM_TEMPLATE_CATEGORY" val="diagram"/>
+  <p:tag name="KSO_WM_TEMPLATE_INDEX" val="20200773"/>
+  <p:tag name="KSO_WM_UNIT_LAYERLEVEL" val="1"/>
+  <p:tag name="KSO_WM_TAG_VERSION" val="1.0"/>
+  <p:tag name="KSO_WM_BEAUTIFY_FLAG" val="#wm#"/>
+  <p:tag name="KSO_WM_UNIT_ISCONTENTSTITLE" val="0"/>
+  <p:tag name="KSO_WM_UNIT_PRESET_TEXT" val="单击此处添加标题"/>
+  <p:tag name="KSO_WM_UNIT_NOCLEAR" val="0"/>
+  <p:tag name="KSO_WM_UNIT_VALUE" val="42"/>
+  <p:tag name="KSO_WM_UNIT_TYPE" val="a"/>
+  <p:tag name="KSO_WM_UNIT_INDEX" val="1"/>
+</p:tagLst>
+</file>
+
+<file path=ppt/tags/tag257.xml><?xml version="1.0" encoding="utf-8"?>
+<p:tagLst xmlns:a="http://schemas.openxmlformats.org/drawingml/2006/main" xmlns:r="http://schemas.openxmlformats.org/officeDocument/2006/relationships" xmlns:p="http://schemas.openxmlformats.org/presentationml/2006/main">
+  <p:tag name="KSO_WM_UNIT_HIGHLIGHT" val="0"/>
+  <p:tag name="KSO_WM_UNIT_COMPATIBLE" val="0"/>
+  <p:tag name="KSO_WM_UNIT_DIAGRAM_ISNUMVISUAL" val="0"/>
+  <p:tag name="KSO_WM_UNIT_DIAGRAM_ISREFERUNIT" val="0"/>
+  <p:tag name="KSO_WM_UNIT_ID" val="diagram20200773_1*f*1"/>
+  <p:tag name="KSO_WM_TEMPLATE_CATEGORY" val="diagram"/>
+  <p:tag name="KSO_WM_TEMPLATE_INDEX" val="20200773"/>
+  <p:tag name="KSO_WM_UNIT_LAYERLEVEL" val="1"/>
+  <p:tag name="KSO_WM_TAG_VERSION" val="1.0"/>
+  <p:tag name="KSO_WM_BEAUTIFY_FLAG" val="#wm#"/>
+  <p:tag name="KSO_WM_UNIT_PRESET_TEXT" val="单击此处添加文本具体内容，简明扼要的阐述您的观点。根据需要可酌情增减文字，以便观者准确的理解您传达的思想。单击此处添加文本具体内容，简明扼要的阐述您的观点。根据需要可酌情增减文字，以便观者准确的理解您传达的思想。单击此处添加文本具体内容，简明扼要的阐述您的观点。根据需要可酌情增减文字，以便观者准确的理解您传达的思想。&#10;单击此处添加文本具体内容，简明扼要的阐述您的观点。根据需要可酌情增减文字，以便观者准确的理解您传达的思想。&#10;单击此处添加文本具体内容，简明扼要的阐述您的观点。&#10;单击此处添加文本具体内容，简明扼要的阐述您的观点。&#10;单击此处添加文本具体内容，简明扼要的阐述您的观点。&#10;单击此处添加文本具体内容，简明扼要的阐述您的观点。根据需要可酌情增减文字，以便观者准确的理解您传达的思想。单击此处添加文本具体内容，简明扼要的阐述您的观点。根据需要可酌情增减文字，以便观者准确的理解您传达的思想。单击此处添加文本具体内容，简明扼要的阐述您的观点。根据需要可酌情增减文字，以便观者准确的理解您传达的思想。单击此处添加文本具体内容，简明扼要的阐述您的观点。&#10;单击此处添加文本具体内容，简明扼要的阐述您的观点。根据需要可酌情增减文字，以便观者准确的理解您传达的思想。单击此处添加文本具体内容，简明扼要的阐述您的观点。根据需要可酌情增减文字，以便观者准确的理解您传达的思想。&#10;单击此处添加文本具体内容，简明扼要的阐述您的观点。根据需要可酌情增减文字，以便观者准确的理解您传达的思想。单击此处添加文本具体内容，简明扼要的阐述您的观点。根据需要可酌情增减文字，以便观者准确的理解您传达的思想。单击此处添加文本具体内容，简明扼要的阐述您的观点。根据需要可酌情增减文字，以便观者准确的理解您传达的思想。&#10;单击此处添加文本具体内容。"/>
+  <p:tag name="KSO_WM_UNIT_NOCLEAR" val="0"/>
+  <p:tag name="KSO_WM_UNIT_VALUE" val="1680"/>
+  <p:tag name="KSO_WM_UNIT_TYPE" val="f"/>
+  <p:tag name="KSO_WM_UNIT_INDEX" val="1"/>
+</p:tagLst>
+</file>
+
+<file path=ppt/tags/tag258.xml><?xml version="1.0" encoding="utf-8"?>
 <p:tagLst xmlns:a="http://schemas.openxmlformats.org/drawingml/2006/main" xmlns:r="http://schemas.openxmlformats.org/officeDocument/2006/relationships" xmlns:p="http://schemas.openxmlformats.org/presentationml/2006/main">
   <p:tag name="KSO_WM_TAG_VERSION" val="1.0"/>
   <p:tag name="KSO_WM_SLIDE_ITEM_CNT" val="0"/>
@@ -29579,7 +30116,7 @@
 </p:tagLst>
 </file>
 
-<file path=ppt/tags/tag255.xml><?xml version="1.0" encoding="utf-8"?>
+<file path=ppt/tags/tag259.xml><?xml version="1.0" encoding="utf-8"?>
 <p:tagLst xmlns:a="http://schemas.openxmlformats.org/drawingml/2006/main" xmlns:r="http://schemas.openxmlformats.org/officeDocument/2006/relationships" xmlns:p="http://schemas.openxmlformats.org/presentationml/2006/main">
   <p:tag name="KSO_WM_TAG_VERSION" val="1.0"/>
   <p:tag name="KSO_WM_BEAUTIFY_FLAG" val="#wm#"/>
@@ -29600,7 +30137,20 @@
 </p:tagLst>
 </file>
 
-<file path=ppt/tags/tag256.xml><?xml version="1.0" encoding="utf-8"?>
+<file path=ppt/tags/tag26.xml><?xml version="1.0" encoding="utf-8"?>
+<p:tagLst xmlns:a="http://schemas.openxmlformats.org/drawingml/2006/main" xmlns:r="http://schemas.openxmlformats.org/officeDocument/2006/relationships" xmlns:p="http://schemas.openxmlformats.org/presentationml/2006/main">
+  <p:tag name="KSO_WM_UNIT_HIGHLIGHT" val="0"/>
+  <p:tag name="KSO_WM_UNIT_COMPATIBLE" val="0"/>
+  <p:tag name="KSO_WM_UNIT_DIAGRAM_ISNUMVISUAL" val="0"/>
+  <p:tag name="KSO_WM_UNIT_DIAGRAM_ISREFERUNIT" val="0"/>
+  <p:tag name="KSO_WM_UNIT_ID" val="_2**"/>
+  <p:tag name="KSO_WM_UNIT_LAYERLEVEL" val="1"/>
+  <p:tag name="KSO_WM_TAG_VERSION" val="1.0"/>
+  <p:tag name="KSO_WM_BEAUTIFY_FLAG" val="#wm#"/>
+</p:tagLst>
+</file>
+
+<file path=ppt/tags/tag260.xml><?xml version="1.0" encoding="utf-8"?>
 <p:tagLst xmlns:a="http://schemas.openxmlformats.org/drawingml/2006/main" xmlns:r="http://schemas.openxmlformats.org/officeDocument/2006/relationships" xmlns:p="http://schemas.openxmlformats.org/presentationml/2006/main">
   <p:tag name="KSO_WM_TAG_VERSION" val="1.0"/>
   <p:tag name="KSO_WM_BEAUTIFY_FLAG" val="#wm#"/>
@@ -29618,19 +30168,6 @@
   <p:tag name="KSO_WM_UNIT_NOCLEAR" val="0"/>
   <p:tag name="KSO_WM_UNIT_DIAGRAM_ISNUMVISUAL" val="0"/>
   <p:tag name="KSO_WM_UNIT_DIAGRAM_ISREFERUNIT" val="0"/>
-</p:tagLst>
-</file>
-
-<file path=ppt/tags/tag26.xml><?xml version="1.0" encoding="utf-8"?>
-<p:tagLst xmlns:a="http://schemas.openxmlformats.org/drawingml/2006/main" xmlns:r="http://schemas.openxmlformats.org/officeDocument/2006/relationships" xmlns:p="http://schemas.openxmlformats.org/presentationml/2006/main">
-  <p:tag name="KSO_WM_UNIT_HIGHLIGHT" val="0"/>
-  <p:tag name="KSO_WM_UNIT_COMPATIBLE" val="0"/>
-  <p:tag name="KSO_WM_UNIT_DIAGRAM_ISNUMVISUAL" val="0"/>
-  <p:tag name="KSO_WM_UNIT_DIAGRAM_ISREFERUNIT" val="0"/>
-  <p:tag name="KSO_WM_UNIT_ID" val="_2**"/>
-  <p:tag name="KSO_WM_UNIT_LAYERLEVEL" val="1"/>
-  <p:tag name="KSO_WM_TAG_VERSION" val="1.0"/>
-  <p:tag name="KSO_WM_BEAUTIFY_FLAG" val="#wm#"/>
 </p:tagLst>
 </file>
 

--- a/软件需求规格说明书/G01小组需求评审PPT0.1.pptx
+++ b/软件需求规格说明书/G01小组需求评审PPT0.1.pptx
@@ -335,7 +335,7 @@
           <a:p>
             <a:fld id="{D2A48B96-639E-45A3-A0BA-2464DFDB1FAA}" type="datetimeFigureOut">
               <a:rPr lang="zh-CN" altLang="en-US" smtClean="0"/>
-              <a:t>2020/11/17</a:t>
+              <a:t>2020/11/18</a:t>
             </a:fld>
             <a:endParaRPr lang="zh-CN" altLang="en-US"/>
           </a:p>
@@ -1932,7 +1932,7 @@
           <a:p>
             <a:fld id="{760FBDFE-C587-4B4C-A407-44438C67B59E}" type="datetimeFigureOut">
               <a:rPr lang="zh-CN" altLang="en-US" smtClean="0"/>
-              <a:t>2020/11/17</a:t>
+              <a:t>2020/11/18</a:t>
             </a:fld>
             <a:endParaRPr lang="zh-CN" altLang="en-US"/>
           </a:p>
@@ -2156,7 +2156,7 @@
           <a:p>
             <a:fld id="{760FBDFE-C587-4B4C-A407-44438C67B59E}" type="datetimeFigureOut">
               <a:rPr lang="zh-CN" altLang="en-US" smtClean="0"/>
-              <a:t>2020/11/17</a:t>
+              <a:t>2020/11/18</a:t>
             </a:fld>
             <a:endParaRPr lang="zh-CN" altLang="en-US"/>
           </a:p>
@@ -2661,7 +2661,7 @@
           <a:p>
             <a:fld id="{760FBDFE-C587-4B4C-A407-44438C67B59E}" type="datetimeFigureOut">
               <a:rPr lang="zh-CN" altLang="en-US" smtClean="0"/>
-              <a:t>2020/11/17</a:t>
+              <a:t>2020/11/18</a:t>
             </a:fld>
             <a:endParaRPr lang="zh-CN" altLang="en-US"/>
           </a:p>
@@ -4683,7 +4683,7 @@
           <a:p>
             <a:fld id="{760FBDFE-C587-4B4C-A407-44438C67B59E}" type="datetimeFigureOut">
               <a:rPr lang="zh-CN" altLang="en-US" smtClean="0"/>
-              <a:t>2020/11/17</a:t>
+              <a:t>2020/11/18</a:t>
             </a:fld>
             <a:endParaRPr lang="zh-CN" altLang="en-US"/>
           </a:p>
@@ -5577,7 +5577,7 @@
           <a:p>
             <a:fld id="{DDC86826-C030-4ABB-BAB8-ECCBC086F54C}" type="datetimeFigureOut">
               <a:rPr lang="zh-CN" altLang="en-US" smtClean="0"/>
-              <a:t>2020/11/17</a:t>
+              <a:t>2020/11/18</a:t>
             </a:fld>
             <a:endParaRPr lang="zh-CN" altLang="en-US"/>
           </a:p>
@@ -5768,7 +5768,7 @@
           <a:p>
             <a:fld id="{DDC86826-C030-4ABB-BAB8-ECCBC086F54C}" type="datetimeFigureOut">
               <a:rPr lang="zh-CN" altLang="en-US" smtClean="0"/>
-              <a:t>2020/11/17</a:t>
+              <a:t>2020/11/18</a:t>
             </a:fld>
             <a:endParaRPr lang="zh-CN" altLang="en-US"/>
           </a:p>
@@ -6110,7 +6110,7 @@
           <a:p>
             <a:fld id="{DDC86826-C030-4ABB-BAB8-ECCBC086F54C}" type="datetimeFigureOut">
               <a:rPr lang="zh-CN" altLang="en-US" smtClean="0"/>
-              <a:t>2020/11/17</a:t>
+              <a:t>2020/11/18</a:t>
             </a:fld>
             <a:endParaRPr lang="zh-CN" altLang="en-US"/>
           </a:p>
@@ -6362,7 +6362,7 @@
           <a:p>
             <a:fld id="{DDC86826-C030-4ABB-BAB8-ECCBC086F54C}" type="datetimeFigureOut">
               <a:rPr lang="zh-CN" altLang="en-US" smtClean="0"/>
-              <a:t>2020/11/17</a:t>
+              <a:t>2020/11/18</a:t>
             </a:fld>
             <a:endParaRPr lang="zh-CN" altLang="en-US"/>
           </a:p>
@@ -6759,7 +6759,7 @@
           <a:p>
             <a:fld id="{DDC86826-C030-4ABB-BAB8-ECCBC086F54C}" type="datetimeFigureOut">
               <a:rPr lang="zh-CN" altLang="en-US" smtClean="0"/>
-              <a:t>2020/11/17</a:t>
+              <a:t>2020/11/18</a:t>
             </a:fld>
             <a:endParaRPr lang="zh-CN" altLang="en-US"/>
           </a:p>
@@ -6861,7 +6861,7 @@
           <a:p>
             <a:fld id="{DDC86826-C030-4ABB-BAB8-ECCBC086F54C}" type="datetimeFigureOut">
               <a:rPr lang="zh-CN" altLang="en-US" smtClean="0"/>
-              <a:t>2020/11/17</a:t>
+              <a:t>2020/11/18</a:t>
             </a:fld>
             <a:endParaRPr lang="zh-CN" altLang="en-US"/>
           </a:p>
@@ -6988,7 +6988,7 @@
           <a:p>
             <a:fld id="{DDC86826-C030-4ABB-BAB8-ECCBC086F54C}" type="datetimeFigureOut">
               <a:rPr lang="zh-CN" altLang="en-US" smtClean="0"/>
-              <a:t>2020/11/17</a:t>
+              <a:t>2020/11/18</a:t>
             </a:fld>
             <a:endParaRPr lang="zh-CN" altLang="en-US"/>
           </a:p>
@@ -7402,7 +7402,7 @@
           <a:p>
             <a:fld id="{760FBDFE-C587-4B4C-A407-44438C67B59E}" type="datetimeFigureOut">
               <a:rPr lang="zh-CN" altLang="en-US" smtClean="0"/>
-              <a:t>2020/11/17</a:t>
+              <a:t>2020/11/18</a:t>
             </a:fld>
             <a:endParaRPr lang="zh-CN" altLang="en-US"/>
           </a:p>
@@ -7674,7 +7674,7 @@
           <a:p>
             <a:fld id="{9EFD9D74-47D9-4702-A33C-335B63B48DBF}" type="datetimeFigureOut">
               <a:rPr lang="zh-CN" altLang="en-US" smtClean="0"/>
-              <a:t>2020/11/17</a:t>
+              <a:t>2020/11/18</a:t>
             </a:fld>
             <a:endParaRPr lang="zh-CN" altLang="en-US" dirty="0"/>
           </a:p>
@@ -7871,7 +7871,7 @@
           <a:p>
             <a:fld id="{DDC86826-C030-4ABB-BAB8-ECCBC086F54C}" type="datetimeFigureOut">
               <a:rPr lang="zh-CN" altLang="en-US" smtClean="0"/>
-              <a:t>2020/11/17</a:t>
+              <a:t>2020/11/18</a:t>
             </a:fld>
             <a:endParaRPr lang="zh-CN" altLang="en-US"/>
           </a:p>
@@ -7973,7 +7973,7 @@
           <a:p>
             <a:fld id="{760FBDFE-C587-4B4C-A407-44438C67B59E}" type="datetimeFigureOut">
               <a:rPr lang="zh-CN" altLang="en-US" smtClean="0"/>
-              <a:t>2020/11/17</a:t>
+              <a:t>2020/11/18</a:t>
             </a:fld>
             <a:endParaRPr lang="zh-CN" altLang="en-US"/>
           </a:p>
@@ -8277,7 +8277,7 @@
           <a:p>
             <a:fld id="{DDC86826-C030-4ABB-BAB8-ECCBC086F54C}" type="datetimeFigureOut">
               <a:rPr lang="zh-CN" altLang="en-US" smtClean="0"/>
-              <a:t>2020/11/17</a:t>
+              <a:t>2020/11/18</a:t>
             </a:fld>
             <a:endParaRPr lang="zh-CN" altLang="en-US"/>
           </a:p>
@@ -8755,7 +8755,7 @@
           <a:p>
             <a:fld id="{760FBDFE-C587-4B4C-A407-44438C67B59E}" type="datetimeFigureOut">
               <a:rPr lang="zh-CN" altLang="en-US" smtClean="0"/>
-              <a:t>2020/11/17</a:t>
+              <a:t>2020/11/18</a:t>
             </a:fld>
             <a:endParaRPr lang="zh-CN" altLang="en-US"/>
           </a:p>
@@ -9463,7 +9463,7 @@
           <a:p>
             <a:fld id="{760FBDFE-C587-4B4C-A407-44438C67B59E}" type="datetimeFigureOut">
               <a:rPr lang="zh-CN" altLang="en-US" smtClean="0"/>
-              <a:t>2020/11/17</a:t>
+              <a:t>2020/11/18</a:t>
             </a:fld>
             <a:endParaRPr lang="zh-CN" altLang="en-US"/>
           </a:p>
@@ -9612,7 +9612,7 @@
           <a:p>
             <a:fld id="{760FBDFE-C587-4B4C-A407-44438C67B59E}" type="datetimeFigureOut">
               <a:rPr lang="zh-CN" altLang="en-US" smtClean="0"/>
-              <a:t>2020/11/17</a:t>
+              <a:t>2020/11/18</a:t>
             </a:fld>
             <a:endParaRPr lang="zh-CN" altLang="en-US"/>
           </a:p>
@@ -9714,7 +9714,7 @@
           <a:p>
             <a:fld id="{760FBDFE-C587-4B4C-A407-44438C67B59E}" type="datetimeFigureOut">
               <a:rPr lang="zh-CN" altLang="en-US" smtClean="0"/>
-              <a:t>2020/11/17</a:t>
+              <a:t>2020/11/18</a:t>
             </a:fld>
             <a:endParaRPr lang="zh-CN" altLang="en-US"/>
           </a:p>
@@ -10078,7 +10078,7 @@
           <a:p>
             <a:fld id="{9EFD9D74-47D9-4702-A33C-335B63B48DBF}" type="datetimeFigureOut">
               <a:rPr lang="zh-CN" altLang="en-US" smtClean="0"/>
-              <a:t>2020/11/17</a:t>
+              <a:t>2020/11/18</a:t>
             </a:fld>
             <a:endParaRPr lang="zh-CN" altLang="en-US" dirty="0"/>
           </a:p>
@@ -10325,7 +10325,7 @@
           <a:p>
             <a:fld id="{760FBDFE-C587-4B4C-A407-44438C67B59E}" type="datetimeFigureOut">
               <a:rPr lang="zh-CN" altLang="en-US" smtClean="0"/>
-              <a:t>2020/11/17</a:t>
+              <a:t>2020/11/18</a:t>
             </a:fld>
             <a:endParaRPr lang="zh-CN" altLang="en-US"/>
           </a:p>
@@ -10558,7 +10558,7 @@
           <a:p>
             <a:fld id="{760FBDFE-C587-4B4C-A407-44438C67B59E}" type="datetimeFigureOut">
               <a:rPr lang="zh-CN" altLang="en-US" smtClean="0"/>
-              <a:t>2020/11/17</a:t>
+              <a:t>2020/11/18</a:t>
             </a:fld>
             <a:endParaRPr lang="zh-CN" altLang="en-US"/>
           </a:p>
@@ -11863,7 +11863,7 @@
           <a:p>
             <a:fld id="{DDC86826-C030-4ABB-BAB8-ECCBC086F54C}" type="datetimeFigureOut">
               <a:rPr lang="zh-CN" altLang="en-US" smtClean="0"/>
-              <a:t>2020/11/17</a:t>
+              <a:t>2020/11/18</a:t>
             </a:fld>
             <a:endParaRPr lang="zh-CN" altLang="en-US"/>
           </a:p>
@@ -13755,12 +13755,12 @@
               <a:t>于</a:t>
             </a:r>
             <a:r>
-              <a:rPr lang="zh-CN" altLang="en-US" sz="2400" dirty="0"/>
-              <a:t>博</a:t>
-            </a:r>
-            <a:r>
               <a:rPr lang="zh-CN" altLang="en-US" sz="2400" dirty="0" smtClean="0"/>
-              <a:t>客与论坛的</a:t>
+              <a:t>博客</a:t>
+            </a:r>
+            <a:r>
+              <a:rPr lang="zh-CN" altLang="en-US" sz="2400" dirty="0" smtClean="0"/>
+              <a:t>与论坛的</a:t>
             </a:r>
             <a:r>
               <a:rPr lang="zh-CN" altLang="en-US" sz="2400" dirty="0"/>
@@ -19155,13 +19155,7 @@
               <a:rPr lang="zh-CN" altLang="en-US" sz="2000" b="1" dirty="0" smtClean="0">
                 <a:latin typeface="+mn-ea"/>
               </a:rPr>
-              <a:t>是我们</a:t>
-            </a:r>
-            <a:r>
-              <a:rPr lang="zh-CN" altLang="en-US" sz="2000" b="1" dirty="0" smtClean="0">
-                <a:latin typeface="+mn-ea"/>
-              </a:rPr>
-              <a:t>的处理流程图</a:t>
+              <a:t>是我们的处理流程图</a:t>
             </a:r>
             <a:endParaRPr lang="zh-CN" altLang="en-US" sz="1100" dirty="0">
               <a:uFillTx/>
@@ -23156,19 +23150,7 @@
                 </a:solidFill>
                 <a:latin typeface="Arial" panose="020B0604020202020204" pitchFamily="34" charset="0"/>
               </a:rPr>
-              <a:t>：部</a:t>
-            </a:r>
-            <a:r>
-              <a:rPr lang="zh-CN" altLang="en-US" sz="1800" b="1" dirty="0" smtClean="0">
-                <a:solidFill>
-                  <a:srgbClr val="000000">
-                    <a:lumMod val="75000"/>
-                    <a:lumOff val="25000"/>
-                  </a:srgbClr>
-                </a:solidFill>
-                <a:latin typeface="Arial" panose="020B0604020202020204" pitchFamily="34" charset="0"/>
-              </a:rPr>
-              <a:t>分界面原型绘制制</a:t>
+              <a:t>：部分界面原型绘制制</a:t>
             </a:r>
             <a:r>
               <a:rPr lang="zh-CN" altLang="en-US" sz="1800" b="1" dirty="0">
@@ -24225,10 +24207,22 @@
               <a:defRPr/>
             </a:pPr>
             <a:r>
+              <a:rPr lang="en-US" altLang="zh-CN" sz="2400" b="1" dirty="0" smtClean="0">
+                <a:latin typeface="+mn-ea"/>
+              </a:rPr>
+              <a:t>SRS</a:t>
+            </a:r>
+            <a:r>
+              <a:rPr lang="zh-CN" altLang="en-US" sz="2400" b="1" dirty="0" smtClean="0">
+                <a:latin typeface="+mn-ea"/>
+              </a:rPr>
+              <a:t>模</a:t>
+            </a:r>
+            <a:r>
               <a:rPr lang="zh-CN" altLang="en-US" sz="2400" b="1" dirty="0">
                 <a:latin typeface="+mn-ea"/>
               </a:rPr>
-              <a:t>项目计划模板选自</a:t>
+              <a:t>板选自</a:t>
             </a:r>
             <a:r>
               <a:rPr lang="en-US" altLang="zh-CN" sz="2400" b="1" dirty="0" smtClean="0">
